--- a/E-Genetics/presentations/proposal.pptx
+++ b/E-Genetics/presentations/proposal.pptx
@@ -3,31 +3,31 @@
 <p:presentation xmlns:a="http://schemas.openxmlformats.org/drawingml/2006/main" xmlns:r="http://schemas.openxmlformats.org/officeDocument/2006/relationships" xmlns:p="http://schemas.openxmlformats.org/presentationml/2006/main">
   <p:sldMasterIdLst>
     <p:sldMasterId id="2147483648" r:id="rId1"/>
-    <p:sldMasterId id="2147483661" r:id="rId3"/>
-    <p:sldMasterId id="2147483674" r:id="rId4"/>
-    <p:sldMasterId id="2147483687" r:id="rId5"/>
-    <p:sldMasterId id="2147483700" r:id="rId6"/>
-    <p:sldMasterId id="2147483713" r:id="rId7"/>
+    <p:sldMasterId id="2147483661" r:id="rId2"/>
+    <p:sldMasterId id="2147483674" r:id="rId3"/>
+    <p:sldMasterId id="2147483687" r:id="rId4"/>
+    <p:sldMasterId id="2147483700" r:id="rId5"/>
+    <p:sldMasterId id="2147483713" r:id="rId6"/>
   </p:sldMasterIdLst>
   <p:sldIdLst>
-    <p:sldId id="256" r:id="rId8"/>
-    <p:sldId id="257" r:id="rId9"/>
-    <p:sldId id="258" r:id="rId10"/>
-    <p:sldId id="259" r:id="rId11"/>
-    <p:sldId id="260" r:id="rId12"/>
-    <p:sldId id="277" r:id="rId13"/>
-    <p:sldId id="261" r:id="rId14"/>
-    <p:sldId id="278" r:id="rId15"/>
-    <p:sldId id="280" r:id="rId16"/>
-    <p:sldId id="279" r:id="rId17"/>
-    <p:sldId id="263" r:id="rId18"/>
-    <p:sldId id="281" r:id="rId19"/>
-    <p:sldId id="274" r:id="rId20"/>
-    <p:sldId id="273" r:id="rId21"/>
-    <p:sldId id="275" r:id="rId22"/>
-    <p:sldId id="276" r:id="rId23"/>
+    <p:sldId id="256" r:id="rId7"/>
+    <p:sldId id="257" r:id="rId8"/>
+    <p:sldId id="258" r:id="rId9"/>
+    <p:sldId id="259" r:id="rId10"/>
+    <p:sldId id="260" r:id="rId11"/>
+    <p:sldId id="277" r:id="rId12"/>
+    <p:sldId id="261" r:id="rId13"/>
+    <p:sldId id="278" r:id="rId14"/>
+    <p:sldId id="280" r:id="rId15"/>
+    <p:sldId id="279" r:id="rId16"/>
+    <p:sldId id="263" r:id="rId17"/>
+    <p:sldId id="281" r:id="rId18"/>
+    <p:sldId id="274" r:id="rId19"/>
+    <p:sldId id="273" r:id="rId20"/>
+    <p:sldId id="275" r:id="rId21"/>
+    <p:sldId id="276" r:id="rId22"/>
   </p:sldIdLst>
-  <p:sldSz cx="9144000" cy="5143500"/>
+  <p:sldSz cx="9144000" cy="5143500" type="screen16x9"/>
   <p:notesSz cx="7772400" cy="10058400"/>
   <p:defaultTextStyle>
     <a:lvl1pPr marL="0" algn="l" defTabSz="914400" rtl="0" eaLnBrk="1" latinLnBrk="0" hangingPunct="1">
@@ -189,6 +189,7 @@
           <a:bodyPr lIns="0" tIns="0" rIns="0" bIns="0" anchor="ctr">
             <a:noAutofit/>
           </a:bodyPr>
+          <a:lstStyle/>
           <a:p>
             <a:endParaRPr lang="en-US" sz="1800" b="0" strike="noStrike" spc="-1">
               <a:solidFill>
@@ -222,6 +223,7 @@
           <a:bodyPr lIns="0" tIns="0" rIns="0" bIns="0">
             <a:normAutofit/>
           </a:bodyPr>
+          <a:lstStyle/>
           <a:p>
             <a:endParaRPr lang="en-US" sz="1800" b="0" strike="noStrike" spc="-1">
               <a:solidFill>
@@ -255,6 +257,7 @@
           <a:bodyPr lIns="0" tIns="0" rIns="0" bIns="0">
             <a:normAutofit/>
           </a:bodyPr>
+          <a:lstStyle/>
           <a:p>
             <a:endParaRPr lang="en-US" sz="1800" b="0" strike="noStrike" spc="-1">
               <a:solidFill>
@@ -313,6 +316,7 @@
           <a:bodyPr lIns="0" tIns="0" rIns="0" bIns="0" anchor="ctr">
             <a:noAutofit/>
           </a:bodyPr>
+          <a:lstStyle/>
           <a:p>
             <a:endParaRPr lang="en-US" sz="1800" b="0" strike="noStrike" spc="-1">
               <a:solidFill>
@@ -346,6 +350,7 @@
           <a:bodyPr lIns="0" tIns="0" rIns="0" bIns="0">
             <a:normAutofit/>
           </a:bodyPr>
+          <a:lstStyle/>
           <a:p>
             <a:endParaRPr lang="en-US" sz="1800" b="0" strike="noStrike" spc="-1">
               <a:solidFill>
@@ -379,6 +384,7 @@
           <a:bodyPr lIns="0" tIns="0" rIns="0" bIns="0">
             <a:normAutofit/>
           </a:bodyPr>
+          <a:lstStyle/>
           <a:p>
             <a:endParaRPr lang="en-US" sz="1800" b="0" strike="noStrike" spc="-1">
               <a:solidFill>
@@ -412,6 +418,7 @@
           <a:bodyPr lIns="0" tIns="0" rIns="0" bIns="0">
             <a:normAutofit/>
           </a:bodyPr>
+          <a:lstStyle/>
           <a:p>
             <a:endParaRPr lang="en-US" sz="1800" b="0" strike="noStrike" spc="-1">
               <a:solidFill>
@@ -445,6 +452,7 @@
           <a:bodyPr lIns="0" tIns="0" rIns="0" bIns="0">
             <a:normAutofit/>
           </a:bodyPr>
+          <a:lstStyle/>
           <a:p>
             <a:endParaRPr lang="en-US" sz="1800" b="0" strike="noStrike" spc="-1">
               <a:solidFill>
@@ -503,6 +511,7 @@
           <a:bodyPr lIns="0" tIns="0" rIns="0" bIns="0" anchor="ctr">
             <a:noAutofit/>
           </a:bodyPr>
+          <a:lstStyle/>
           <a:p>
             <a:endParaRPr lang="en-US" sz="1800" b="0" strike="noStrike" spc="-1">
               <a:solidFill>
@@ -536,6 +545,7 @@
           <a:bodyPr lIns="0" tIns="0" rIns="0" bIns="0">
             <a:normAutofit/>
           </a:bodyPr>
+          <a:lstStyle/>
           <a:p>
             <a:endParaRPr lang="en-US" sz="1800" b="0" strike="noStrike" spc="-1">
               <a:solidFill>
@@ -569,6 +579,7 @@
           <a:bodyPr lIns="0" tIns="0" rIns="0" bIns="0">
             <a:normAutofit/>
           </a:bodyPr>
+          <a:lstStyle/>
           <a:p>
             <a:endParaRPr lang="en-US" sz="1800" b="0" strike="noStrike" spc="-1">
               <a:solidFill>
@@ -602,6 +613,7 @@
           <a:bodyPr lIns="0" tIns="0" rIns="0" bIns="0">
             <a:normAutofit/>
           </a:bodyPr>
+          <a:lstStyle/>
           <a:p>
             <a:endParaRPr lang="en-US" sz="1800" b="0" strike="noStrike" spc="-1">
               <a:solidFill>
@@ -635,6 +647,7 @@
           <a:bodyPr lIns="0" tIns="0" rIns="0" bIns="0">
             <a:normAutofit/>
           </a:bodyPr>
+          <a:lstStyle/>
           <a:p>
             <a:endParaRPr lang="en-US" sz="1800" b="0" strike="noStrike" spc="-1">
               <a:solidFill>
@@ -668,6 +681,7 @@
           <a:bodyPr lIns="0" tIns="0" rIns="0" bIns="0">
             <a:normAutofit/>
           </a:bodyPr>
+          <a:lstStyle/>
           <a:p>
             <a:endParaRPr lang="en-US" sz="1800" b="0" strike="noStrike" spc="-1">
               <a:solidFill>
@@ -701,6 +715,7 @@
           <a:bodyPr lIns="0" tIns="0" rIns="0" bIns="0">
             <a:normAutofit/>
           </a:bodyPr>
+          <a:lstStyle/>
           <a:p>
             <a:endParaRPr lang="en-US" sz="1800" b="0" strike="noStrike" spc="-1">
               <a:solidFill>
@@ -784,6 +799,7 @@
           <a:bodyPr lIns="0" tIns="0" rIns="0" bIns="0" anchor="ctr">
             <a:noAutofit/>
           </a:bodyPr>
+          <a:lstStyle/>
           <a:p>
             <a:endParaRPr lang="en-US" sz="1800" b="0" strike="noStrike" spc="-1">
               <a:solidFill>
@@ -817,6 +833,7 @@
           <a:bodyPr lIns="0" tIns="0" rIns="0" bIns="0" anchor="ctr">
             <a:noAutofit/>
           </a:bodyPr>
+          <a:lstStyle/>
           <a:p>
             <a:pPr algn="ctr"/>
             <a:endParaRPr lang="en-US" sz="3200" b="0" strike="noStrike" spc="-1">
@@ -873,6 +890,7 @@
           <a:bodyPr lIns="0" tIns="0" rIns="0" bIns="0" anchor="ctr">
             <a:noAutofit/>
           </a:bodyPr>
+          <a:lstStyle/>
           <a:p>
             <a:endParaRPr lang="en-US" sz="1800" b="0" strike="noStrike" spc="-1">
               <a:solidFill>
@@ -906,6 +924,7 @@
           <a:bodyPr lIns="0" tIns="0" rIns="0" bIns="0">
             <a:normAutofit/>
           </a:bodyPr>
+          <a:lstStyle/>
           <a:p>
             <a:endParaRPr lang="en-US" sz="1800" b="0" strike="noStrike" spc="-1">
               <a:solidFill>
@@ -964,6 +983,7 @@
           <a:bodyPr lIns="0" tIns="0" rIns="0" bIns="0" anchor="ctr">
             <a:noAutofit/>
           </a:bodyPr>
+          <a:lstStyle/>
           <a:p>
             <a:endParaRPr lang="en-US" sz="1800" b="0" strike="noStrike" spc="-1">
               <a:solidFill>
@@ -997,6 +1017,7 @@
           <a:bodyPr lIns="0" tIns="0" rIns="0" bIns="0">
             <a:normAutofit/>
           </a:bodyPr>
+          <a:lstStyle/>
           <a:p>
             <a:endParaRPr lang="en-US" sz="1800" b="0" strike="noStrike" spc="-1">
               <a:solidFill>
@@ -1030,6 +1051,7 @@
           <a:bodyPr lIns="0" tIns="0" rIns="0" bIns="0">
             <a:normAutofit/>
           </a:bodyPr>
+          <a:lstStyle/>
           <a:p>
             <a:endParaRPr lang="en-US" sz="1800" b="0" strike="noStrike" spc="-1">
               <a:solidFill>
@@ -1088,6 +1110,7 @@
           <a:bodyPr lIns="0" tIns="0" rIns="0" bIns="0" anchor="ctr">
             <a:noAutofit/>
           </a:bodyPr>
+          <a:lstStyle/>
           <a:p>
             <a:endParaRPr lang="en-US" sz="1800" b="0" strike="noStrike" spc="-1">
               <a:solidFill>
@@ -1146,6 +1169,7 @@
           <a:bodyPr lIns="0" tIns="0" rIns="0" bIns="0" anchor="ctr">
             <a:noAutofit/>
           </a:bodyPr>
+          <a:lstStyle/>
           <a:p>
             <a:pPr algn="ctr"/>
             <a:endParaRPr lang="en-US" sz="3200" b="0" strike="noStrike" spc="-1">
@@ -1202,6 +1226,7 @@
           <a:bodyPr lIns="0" tIns="0" rIns="0" bIns="0" anchor="ctr">
             <a:noAutofit/>
           </a:bodyPr>
+          <a:lstStyle/>
           <a:p>
             <a:endParaRPr lang="en-US" sz="1800" b="0" strike="noStrike" spc="-1">
               <a:solidFill>
@@ -1235,6 +1260,7 @@
           <a:bodyPr lIns="0" tIns="0" rIns="0" bIns="0">
             <a:normAutofit/>
           </a:bodyPr>
+          <a:lstStyle/>
           <a:p>
             <a:endParaRPr lang="en-US" sz="1800" b="0" strike="noStrike" spc="-1">
               <a:solidFill>
@@ -1268,6 +1294,7 @@
           <a:bodyPr lIns="0" tIns="0" rIns="0" bIns="0">
             <a:normAutofit/>
           </a:bodyPr>
+          <a:lstStyle/>
           <a:p>
             <a:endParaRPr lang="en-US" sz="1800" b="0" strike="noStrike" spc="-1">
               <a:solidFill>
@@ -1301,6 +1328,7 @@
           <a:bodyPr lIns="0" tIns="0" rIns="0" bIns="0">
             <a:normAutofit/>
           </a:bodyPr>
+          <a:lstStyle/>
           <a:p>
             <a:endParaRPr lang="en-US" sz="1800" b="0" strike="noStrike" spc="-1">
               <a:solidFill>
@@ -1359,6 +1387,7 @@
           <a:bodyPr lIns="0" tIns="0" rIns="0" bIns="0" anchor="ctr">
             <a:noAutofit/>
           </a:bodyPr>
+          <a:lstStyle/>
           <a:p>
             <a:endParaRPr lang="en-US" sz="1800" b="0" strike="noStrike" spc="-1">
               <a:solidFill>
@@ -1392,6 +1421,7 @@
           <a:bodyPr lIns="0" tIns="0" rIns="0" bIns="0" anchor="ctr">
             <a:noAutofit/>
           </a:bodyPr>
+          <a:lstStyle/>
           <a:p>
             <a:pPr algn="ctr"/>
             <a:endParaRPr lang="en-US" sz="3200" b="0" strike="noStrike" spc="-1">
@@ -1448,6 +1478,7 @@
           <a:bodyPr lIns="0" tIns="0" rIns="0" bIns="0" anchor="ctr">
             <a:noAutofit/>
           </a:bodyPr>
+          <a:lstStyle/>
           <a:p>
             <a:endParaRPr lang="en-US" sz="1800" b="0" strike="noStrike" spc="-1">
               <a:solidFill>
@@ -1481,6 +1512,7 @@
           <a:bodyPr lIns="0" tIns="0" rIns="0" bIns="0">
             <a:normAutofit/>
           </a:bodyPr>
+          <a:lstStyle/>
           <a:p>
             <a:endParaRPr lang="en-US" sz="1800" b="0" strike="noStrike" spc="-1">
               <a:solidFill>
@@ -1514,6 +1546,7 @@
           <a:bodyPr lIns="0" tIns="0" rIns="0" bIns="0">
             <a:normAutofit/>
           </a:bodyPr>
+          <a:lstStyle/>
           <a:p>
             <a:endParaRPr lang="en-US" sz="1800" b="0" strike="noStrike" spc="-1">
               <a:solidFill>
@@ -1547,6 +1580,7 @@
           <a:bodyPr lIns="0" tIns="0" rIns="0" bIns="0">
             <a:normAutofit/>
           </a:bodyPr>
+          <a:lstStyle/>
           <a:p>
             <a:endParaRPr lang="en-US" sz="1800" b="0" strike="noStrike" spc="-1">
               <a:solidFill>
@@ -1605,6 +1639,7 @@
           <a:bodyPr lIns="0" tIns="0" rIns="0" bIns="0" anchor="ctr">
             <a:noAutofit/>
           </a:bodyPr>
+          <a:lstStyle/>
           <a:p>
             <a:endParaRPr lang="en-US" sz="1800" b="0" strike="noStrike" spc="-1">
               <a:solidFill>
@@ -1638,6 +1673,7 @@
           <a:bodyPr lIns="0" tIns="0" rIns="0" bIns="0">
             <a:normAutofit/>
           </a:bodyPr>
+          <a:lstStyle/>
           <a:p>
             <a:endParaRPr lang="en-US" sz="1800" b="0" strike="noStrike" spc="-1">
               <a:solidFill>
@@ -1671,6 +1707,7 @@
           <a:bodyPr lIns="0" tIns="0" rIns="0" bIns="0">
             <a:normAutofit/>
           </a:bodyPr>
+          <a:lstStyle/>
           <a:p>
             <a:endParaRPr lang="en-US" sz="1800" b="0" strike="noStrike" spc="-1">
               <a:solidFill>
@@ -1704,6 +1741,7 @@
           <a:bodyPr lIns="0" tIns="0" rIns="0" bIns="0">
             <a:normAutofit/>
           </a:bodyPr>
+          <a:lstStyle/>
           <a:p>
             <a:endParaRPr lang="en-US" sz="1800" b="0" strike="noStrike" spc="-1">
               <a:solidFill>
@@ -1762,6 +1800,7 @@
           <a:bodyPr lIns="0" tIns="0" rIns="0" bIns="0" anchor="ctr">
             <a:noAutofit/>
           </a:bodyPr>
+          <a:lstStyle/>
           <a:p>
             <a:endParaRPr lang="en-US" sz="1800" b="0" strike="noStrike" spc="-1">
               <a:solidFill>
@@ -1795,6 +1834,7 @@
           <a:bodyPr lIns="0" tIns="0" rIns="0" bIns="0">
             <a:normAutofit/>
           </a:bodyPr>
+          <a:lstStyle/>
           <a:p>
             <a:endParaRPr lang="en-US" sz="1800" b="0" strike="noStrike" spc="-1">
               <a:solidFill>
@@ -1828,6 +1868,7 @@
           <a:bodyPr lIns="0" tIns="0" rIns="0" bIns="0">
             <a:normAutofit/>
           </a:bodyPr>
+          <a:lstStyle/>
           <a:p>
             <a:endParaRPr lang="en-US" sz="1800" b="0" strike="noStrike" spc="-1">
               <a:solidFill>
@@ -1886,6 +1927,7 @@
           <a:bodyPr lIns="0" tIns="0" rIns="0" bIns="0" anchor="ctr">
             <a:noAutofit/>
           </a:bodyPr>
+          <a:lstStyle/>
           <a:p>
             <a:endParaRPr lang="en-US" sz="1800" b="0" strike="noStrike" spc="-1">
               <a:solidFill>
@@ -1919,6 +1961,7 @@
           <a:bodyPr lIns="0" tIns="0" rIns="0" bIns="0">
             <a:normAutofit/>
           </a:bodyPr>
+          <a:lstStyle/>
           <a:p>
             <a:endParaRPr lang="en-US" sz="1800" b="0" strike="noStrike" spc="-1">
               <a:solidFill>
@@ -1952,6 +1995,7 @@
           <a:bodyPr lIns="0" tIns="0" rIns="0" bIns="0">
             <a:normAutofit/>
           </a:bodyPr>
+          <a:lstStyle/>
           <a:p>
             <a:endParaRPr lang="en-US" sz="1800" b="0" strike="noStrike" spc="-1">
               <a:solidFill>
@@ -1985,6 +2029,7 @@
           <a:bodyPr lIns="0" tIns="0" rIns="0" bIns="0">
             <a:normAutofit/>
           </a:bodyPr>
+          <a:lstStyle/>
           <a:p>
             <a:endParaRPr lang="en-US" sz="1800" b="0" strike="noStrike" spc="-1">
               <a:solidFill>
@@ -2018,6 +2063,7 @@
           <a:bodyPr lIns="0" tIns="0" rIns="0" bIns="0">
             <a:normAutofit/>
           </a:bodyPr>
+          <a:lstStyle/>
           <a:p>
             <a:endParaRPr lang="en-US" sz="1800" b="0" strike="noStrike" spc="-1">
               <a:solidFill>
@@ -2076,6 +2122,7 @@
           <a:bodyPr lIns="0" tIns="0" rIns="0" bIns="0" anchor="ctr">
             <a:noAutofit/>
           </a:bodyPr>
+          <a:lstStyle/>
           <a:p>
             <a:endParaRPr lang="en-US" sz="1800" b="0" strike="noStrike" spc="-1">
               <a:solidFill>
@@ -2109,6 +2156,7 @@
           <a:bodyPr lIns="0" tIns="0" rIns="0" bIns="0">
             <a:normAutofit/>
           </a:bodyPr>
+          <a:lstStyle/>
           <a:p>
             <a:endParaRPr lang="en-US" sz="1800" b="0" strike="noStrike" spc="-1">
               <a:solidFill>
@@ -2142,6 +2190,7 @@
           <a:bodyPr lIns="0" tIns="0" rIns="0" bIns="0">
             <a:normAutofit/>
           </a:bodyPr>
+          <a:lstStyle/>
           <a:p>
             <a:endParaRPr lang="en-US" sz="1800" b="0" strike="noStrike" spc="-1">
               <a:solidFill>
@@ -2175,6 +2224,7 @@
           <a:bodyPr lIns="0" tIns="0" rIns="0" bIns="0">
             <a:normAutofit/>
           </a:bodyPr>
+          <a:lstStyle/>
           <a:p>
             <a:endParaRPr lang="en-US" sz="1800" b="0" strike="noStrike" spc="-1">
               <a:solidFill>
@@ -2208,6 +2258,7 @@
           <a:bodyPr lIns="0" tIns="0" rIns="0" bIns="0">
             <a:normAutofit/>
           </a:bodyPr>
+          <a:lstStyle/>
           <a:p>
             <a:endParaRPr lang="en-US" sz="1800" b="0" strike="noStrike" spc="-1">
               <a:solidFill>
@@ -2241,6 +2292,7 @@
           <a:bodyPr lIns="0" tIns="0" rIns="0" bIns="0">
             <a:normAutofit/>
           </a:bodyPr>
+          <a:lstStyle/>
           <a:p>
             <a:endParaRPr lang="en-US" sz="1800" b="0" strike="noStrike" spc="-1">
               <a:solidFill>
@@ -2274,6 +2326,7 @@
           <a:bodyPr lIns="0" tIns="0" rIns="0" bIns="0">
             <a:normAutofit/>
           </a:bodyPr>
+          <a:lstStyle/>
           <a:p>
             <a:endParaRPr lang="en-US" sz="1800" b="0" strike="noStrike" spc="-1">
               <a:solidFill>
@@ -2357,6 +2410,7 @@
           <a:bodyPr lIns="0" tIns="0" rIns="0" bIns="0" anchor="ctr">
             <a:noAutofit/>
           </a:bodyPr>
+          <a:lstStyle/>
           <a:p>
             <a:endParaRPr lang="en-US" sz="1800" b="0" strike="noStrike" spc="-1">
               <a:solidFill>
@@ -2390,6 +2444,7 @@
           <a:bodyPr lIns="0" tIns="0" rIns="0" bIns="0" anchor="ctr">
             <a:noAutofit/>
           </a:bodyPr>
+          <a:lstStyle/>
           <a:p>
             <a:pPr algn="ctr"/>
             <a:endParaRPr lang="en-US" sz="3200" b="0" strike="noStrike" spc="-1">
@@ -2446,6 +2501,7 @@
           <a:bodyPr lIns="0" tIns="0" rIns="0" bIns="0" anchor="ctr">
             <a:noAutofit/>
           </a:bodyPr>
+          <a:lstStyle/>
           <a:p>
             <a:endParaRPr lang="en-US" sz="1800" b="0" strike="noStrike" spc="-1">
               <a:solidFill>
@@ -2479,6 +2535,7 @@
           <a:bodyPr lIns="0" tIns="0" rIns="0" bIns="0">
             <a:normAutofit/>
           </a:bodyPr>
+          <a:lstStyle/>
           <a:p>
             <a:endParaRPr lang="en-US" sz="1800" b="0" strike="noStrike" spc="-1">
               <a:solidFill>
@@ -2537,6 +2594,7 @@
           <a:bodyPr lIns="0" tIns="0" rIns="0" bIns="0" anchor="ctr">
             <a:noAutofit/>
           </a:bodyPr>
+          <a:lstStyle/>
           <a:p>
             <a:endParaRPr lang="en-US" sz="1800" b="0" strike="noStrike" spc="-1">
               <a:solidFill>
@@ -2570,6 +2628,7 @@
           <a:bodyPr lIns="0" tIns="0" rIns="0" bIns="0">
             <a:normAutofit/>
           </a:bodyPr>
+          <a:lstStyle/>
           <a:p>
             <a:endParaRPr lang="en-US" sz="1800" b="0" strike="noStrike" spc="-1">
               <a:solidFill>
@@ -2603,6 +2662,7 @@
           <a:bodyPr lIns="0" tIns="0" rIns="0" bIns="0">
             <a:normAutofit/>
           </a:bodyPr>
+          <a:lstStyle/>
           <a:p>
             <a:endParaRPr lang="en-US" sz="1800" b="0" strike="noStrike" spc="-1">
               <a:solidFill>
@@ -2661,6 +2721,7 @@
           <a:bodyPr lIns="0" tIns="0" rIns="0" bIns="0" anchor="ctr">
             <a:noAutofit/>
           </a:bodyPr>
+          <a:lstStyle/>
           <a:p>
             <a:endParaRPr lang="en-US" sz="1800" b="0" strike="noStrike" spc="-1">
               <a:solidFill>
@@ -2719,6 +2780,7 @@
           <a:bodyPr lIns="0" tIns="0" rIns="0" bIns="0" anchor="ctr">
             <a:noAutofit/>
           </a:bodyPr>
+          <a:lstStyle/>
           <a:p>
             <a:endParaRPr lang="en-US" sz="1800" b="0" strike="noStrike" spc="-1">
               <a:solidFill>
@@ -2752,6 +2814,7 @@
           <a:bodyPr lIns="0" tIns="0" rIns="0" bIns="0">
             <a:normAutofit/>
           </a:bodyPr>
+          <a:lstStyle/>
           <a:p>
             <a:endParaRPr lang="en-US" sz="1800" b="0" strike="noStrike" spc="-1">
               <a:solidFill>
@@ -2810,6 +2873,7 @@
           <a:bodyPr lIns="0" tIns="0" rIns="0" bIns="0" anchor="ctr">
             <a:noAutofit/>
           </a:bodyPr>
+          <a:lstStyle/>
           <a:p>
             <a:pPr algn="ctr"/>
             <a:endParaRPr lang="en-US" sz="3200" b="0" strike="noStrike" spc="-1">
@@ -2866,6 +2930,7 @@
           <a:bodyPr lIns="0" tIns="0" rIns="0" bIns="0" anchor="ctr">
             <a:noAutofit/>
           </a:bodyPr>
+          <a:lstStyle/>
           <a:p>
             <a:endParaRPr lang="en-US" sz="1800" b="0" strike="noStrike" spc="-1">
               <a:solidFill>
@@ -2899,6 +2964,7 @@
           <a:bodyPr lIns="0" tIns="0" rIns="0" bIns="0">
             <a:normAutofit/>
           </a:bodyPr>
+          <a:lstStyle/>
           <a:p>
             <a:endParaRPr lang="en-US" sz="1800" b="0" strike="noStrike" spc="-1">
               <a:solidFill>
@@ -2932,6 +2998,7 @@
           <a:bodyPr lIns="0" tIns="0" rIns="0" bIns="0">
             <a:normAutofit/>
           </a:bodyPr>
+          <a:lstStyle/>
           <a:p>
             <a:endParaRPr lang="en-US" sz="1800" b="0" strike="noStrike" spc="-1">
               <a:solidFill>
@@ -2965,6 +3032,7 @@
           <a:bodyPr lIns="0" tIns="0" rIns="0" bIns="0">
             <a:normAutofit/>
           </a:bodyPr>
+          <a:lstStyle/>
           <a:p>
             <a:endParaRPr lang="en-US" sz="1800" b="0" strike="noStrike" spc="-1">
               <a:solidFill>
@@ -3023,6 +3091,7 @@
           <a:bodyPr lIns="0" tIns="0" rIns="0" bIns="0" anchor="ctr">
             <a:noAutofit/>
           </a:bodyPr>
+          <a:lstStyle/>
           <a:p>
             <a:endParaRPr lang="en-US" sz="1800" b="0" strike="noStrike" spc="-1">
               <a:solidFill>
@@ -3056,6 +3125,7 @@
           <a:bodyPr lIns="0" tIns="0" rIns="0" bIns="0">
             <a:normAutofit/>
           </a:bodyPr>
+          <a:lstStyle/>
           <a:p>
             <a:endParaRPr lang="en-US" sz="1800" b="0" strike="noStrike" spc="-1">
               <a:solidFill>
@@ -3089,6 +3159,7 @@
           <a:bodyPr lIns="0" tIns="0" rIns="0" bIns="0">
             <a:normAutofit/>
           </a:bodyPr>
+          <a:lstStyle/>
           <a:p>
             <a:endParaRPr lang="en-US" sz="1800" b="0" strike="noStrike" spc="-1">
               <a:solidFill>
@@ -3122,6 +3193,7 @@
           <a:bodyPr lIns="0" tIns="0" rIns="0" bIns="0">
             <a:normAutofit/>
           </a:bodyPr>
+          <a:lstStyle/>
           <a:p>
             <a:endParaRPr lang="en-US" sz="1800" b="0" strike="noStrike" spc="-1">
               <a:solidFill>
@@ -3180,6 +3252,7 @@
           <a:bodyPr lIns="0" tIns="0" rIns="0" bIns="0" anchor="ctr">
             <a:noAutofit/>
           </a:bodyPr>
+          <a:lstStyle/>
           <a:p>
             <a:endParaRPr lang="en-US" sz="1800" b="0" strike="noStrike" spc="-1">
               <a:solidFill>
@@ -3213,6 +3286,7 @@
           <a:bodyPr lIns="0" tIns="0" rIns="0" bIns="0">
             <a:normAutofit/>
           </a:bodyPr>
+          <a:lstStyle/>
           <a:p>
             <a:endParaRPr lang="en-US" sz="1800" b="0" strike="noStrike" spc="-1">
               <a:solidFill>
@@ -3246,6 +3320,7 @@
           <a:bodyPr lIns="0" tIns="0" rIns="0" bIns="0">
             <a:normAutofit/>
           </a:bodyPr>
+          <a:lstStyle/>
           <a:p>
             <a:endParaRPr lang="en-US" sz="1800" b="0" strike="noStrike" spc="-1">
               <a:solidFill>
@@ -3279,6 +3354,7 @@
           <a:bodyPr lIns="0" tIns="0" rIns="0" bIns="0">
             <a:normAutofit/>
           </a:bodyPr>
+          <a:lstStyle/>
           <a:p>
             <a:endParaRPr lang="en-US" sz="1800" b="0" strike="noStrike" spc="-1">
               <a:solidFill>
@@ -3337,6 +3413,7 @@
           <a:bodyPr lIns="0" tIns="0" rIns="0" bIns="0" anchor="ctr">
             <a:noAutofit/>
           </a:bodyPr>
+          <a:lstStyle/>
           <a:p>
             <a:endParaRPr lang="en-US" sz="1800" b="0" strike="noStrike" spc="-1">
               <a:solidFill>
@@ -3370,6 +3447,7 @@
           <a:bodyPr lIns="0" tIns="0" rIns="0" bIns="0">
             <a:normAutofit/>
           </a:bodyPr>
+          <a:lstStyle/>
           <a:p>
             <a:endParaRPr lang="en-US" sz="1800" b="0" strike="noStrike" spc="-1">
               <a:solidFill>
@@ -3403,6 +3481,7 @@
           <a:bodyPr lIns="0" tIns="0" rIns="0" bIns="0">
             <a:normAutofit/>
           </a:bodyPr>
+          <a:lstStyle/>
           <a:p>
             <a:endParaRPr lang="en-US" sz="1800" b="0" strike="noStrike" spc="-1">
               <a:solidFill>
@@ -3461,6 +3540,7 @@
           <a:bodyPr lIns="0" tIns="0" rIns="0" bIns="0" anchor="ctr">
             <a:noAutofit/>
           </a:bodyPr>
+          <a:lstStyle/>
           <a:p>
             <a:endParaRPr lang="en-US" sz="1800" b="0" strike="noStrike" spc="-1">
               <a:solidFill>
@@ -3494,6 +3574,7 @@
           <a:bodyPr lIns="0" tIns="0" rIns="0" bIns="0">
             <a:normAutofit/>
           </a:bodyPr>
+          <a:lstStyle/>
           <a:p>
             <a:endParaRPr lang="en-US" sz="1800" b="0" strike="noStrike" spc="-1">
               <a:solidFill>
@@ -3527,6 +3608,7 @@
           <a:bodyPr lIns="0" tIns="0" rIns="0" bIns="0">
             <a:normAutofit/>
           </a:bodyPr>
+          <a:lstStyle/>
           <a:p>
             <a:endParaRPr lang="en-US" sz="1800" b="0" strike="noStrike" spc="-1">
               <a:solidFill>
@@ -3560,6 +3642,7 @@
           <a:bodyPr lIns="0" tIns="0" rIns="0" bIns="0">
             <a:normAutofit/>
           </a:bodyPr>
+          <a:lstStyle/>
           <a:p>
             <a:endParaRPr lang="en-US" sz="1800" b="0" strike="noStrike" spc="-1">
               <a:solidFill>
@@ -3593,6 +3676,7 @@
           <a:bodyPr lIns="0" tIns="0" rIns="0" bIns="0">
             <a:normAutofit/>
           </a:bodyPr>
+          <a:lstStyle/>
           <a:p>
             <a:endParaRPr lang="en-US" sz="1800" b="0" strike="noStrike" spc="-1">
               <a:solidFill>
@@ -3651,6 +3735,7 @@
           <a:bodyPr lIns="0" tIns="0" rIns="0" bIns="0" anchor="ctr">
             <a:noAutofit/>
           </a:bodyPr>
+          <a:lstStyle/>
           <a:p>
             <a:endParaRPr lang="en-US" sz="1800" b="0" strike="noStrike" spc="-1">
               <a:solidFill>
@@ -3684,6 +3769,7 @@
           <a:bodyPr lIns="0" tIns="0" rIns="0" bIns="0">
             <a:normAutofit/>
           </a:bodyPr>
+          <a:lstStyle/>
           <a:p>
             <a:endParaRPr lang="en-US" sz="1800" b="0" strike="noStrike" spc="-1">
               <a:solidFill>
@@ -3717,6 +3803,7 @@
           <a:bodyPr lIns="0" tIns="0" rIns="0" bIns="0">
             <a:normAutofit/>
           </a:bodyPr>
+          <a:lstStyle/>
           <a:p>
             <a:endParaRPr lang="en-US" sz="1800" b="0" strike="noStrike" spc="-1">
               <a:solidFill>
@@ -3750,6 +3837,7 @@
           <a:bodyPr lIns="0" tIns="0" rIns="0" bIns="0">
             <a:normAutofit/>
           </a:bodyPr>
+          <a:lstStyle/>
           <a:p>
             <a:endParaRPr lang="en-US" sz="1800" b="0" strike="noStrike" spc="-1">
               <a:solidFill>
@@ -3783,6 +3871,7 @@
           <a:bodyPr lIns="0" tIns="0" rIns="0" bIns="0">
             <a:normAutofit/>
           </a:bodyPr>
+          <a:lstStyle/>
           <a:p>
             <a:endParaRPr lang="en-US" sz="1800" b="0" strike="noStrike" spc="-1">
               <a:solidFill>
@@ -3816,6 +3905,7 @@
           <a:bodyPr lIns="0" tIns="0" rIns="0" bIns="0">
             <a:normAutofit/>
           </a:bodyPr>
+          <a:lstStyle/>
           <a:p>
             <a:endParaRPr lang="en-US" sz="1800" b="0" strike="noStrike" spc="-1">
               <a:solidFill>
@@ -3849,6 +3939,7 @@
           <a:bodyPr lIns="0" tIns="0" rIns="0" bIns="0">
             <a:normAutofit/>
           </a:bodyPr>
+          <a:lstStyle/>
           <a:p>
             <a:endParaRPr lang="en-US" sz="1800" b="0" strike="noStrike" spc="-1">
               <a:solidFill>
@@ -3932,6 +4023,7 @@
           <a:bodyPr lIns="0" tIns="0" rIns="0" bIns="0" anchor="ctr">
             <a:noAutofit/>
           </a:bodyPr>
+          <a:lstStyle/>
           <a:p>
             <a:endParaRPr lang="en-US" sz="1800" b="0" strike="noStrike" spc="-1">
               <a:solidFill>
@@ -3965,6 +4057,7 @@
           <a:bodyPr lIns="0" tIns="0" rIns="0" bIns="0" anchor="ctr">
             <a:noAutofit/>
           </a:bodyPr>
+          <a:lstStyle/>
           <a:p>
             <a:pPr algn="ctr"/>
             <a:endParaRPr lang="en-US" sz="3200" b="0" strike="noStrike" spc="-1">
@@ -4021,6 +4114,7 @@
           <a:bodyPr lIns="0" tIns="0" rIns="0" bIns="0" anchor="ctr">
             <a:noAutofit/>
           </a:bodyPr>
+          <a:lstStyle/>
           <a:p>
             <a:endParaRPr lang="en-US" sz="1800" b="0" strike="noStrike" spc="-1">
               <a:solidFill>
@@ -4054,6 +4148,7 @@
           <a:bodyPr lIns="0" tIns="0" rIns="0" bIns="0">
             <a:normAutofit/>
           </a:bodyPr>
+          <a:lstStyle/>
           <a:p>
             <a:endParaRPr lang="en-US" sz="1800" b="0" strike="noStrike" spc="-1">
               <a:solidFill>
@@ -4112,6 +4207,7 @@
           <a:bodyPr lIns="0" tIns="0" rIns="0" bIns="0" anchor="ctr">
             <a:noAutofit/>
           </a:bodyPr>
+          <a:lstStyle/>
           <a:p>
             <a:endParaRPr lang="en-US" sz="1800" b="0" strike="noStrike" spc="-1">
               <a:solidFill>
@@ -4145,6 +4241,7 @@
           <a:bodyPr lIns="0" tIns="0" rIns="0" bIns="0">
             <a:normAutofit/>
           </a:bodyPr>
+          <a:lstStyle/>
           <a:p>
             <a:endParaRPr lang="en-US" sz="1800" b="0" strike="noStrike" spc="-1">
               <a:solidFill>
@@ -4178,6 +4275,7 @@
           <a:bodyPr lIns="0" tIns="0" rIns="0" bIns="0">
             <a:normAutofit/>
           </a:bodyPr>
+          <a:lstStyle/>
           <a:p>
             <a:endParaRPr lang="en-US" sz="1800" b="0" strike="noStrike" spc="-1">
               <a:solidFill>
@@ -4236,6 +4334,7 @@
           <a:bodyPr lIns="0" tIns="0" rIns="0" bIns="0" anchor="ctr">
             <a:noAutofit/>
           </a:bodyPr>
+          <a:lstStyle/>
           <a:p>
             <a:endParaRPr lang="en-US" sz="1800" b="0" strike="noStrike" spc="-1">
               <a:solidFill>
@@ -4269,6 +4368,7 @@
           <a:bodyPr lIns="0" tIns="0" rIns="0" bIns="0">
             <a:normAutofit/>
           </a:bodyPr>
+          <a:lstStyle/>
           <a:p>
             <a:endParaRPr lang="en-US" sz="1800" b="0" strike="noStrike" spc="-1">
               <a:solidFill>
@@ -4302,6 +4402,7 @@
           <a:bodyPr lIns="0" tIns="0" rIns="0" bIns="0">
             <a:normAutofit/>
           </a:bodyPr>
+          <a:lstStyle/>
           <a:p>
             <a:endParaRPr lang="en-US" sz="1800" b="0" strike="noStrike" spc="-1">
               <a:solidFill>
@@ -4360,6 +4461,7 @@
           <a:bodyPr lIns="0" tIns="0" rIns="0" bIns="0" anchor="ctr">
             <a:noAutofit/>
           </a:bodyPr>
+          <a:lstStyle/>
           <a:p>
             <a:endParaRPr lang="en-US" sz="1800" b="0" strike="noStrike" spc="-1">
               <a:solidFill>
@@ -4418,6 +4520,7 @@
           <a:bodyPr lIns="0" tIns="0" rIns="0" bIns="0" anchor="ctr">
             <a:noAutofit/>
           </a:bodyPr>
+          <a:lstStyle/>
           <a:p>
             <a:pPr algn="ctr"/>
             <a:endParaRPr lang="en-US" sz="3200" b="0" strike="noStrike" spc="-1">
@@ -4474,6 +4577,7 @@
           <a:bodyPr lIns="0" tIns="0" rIns="0" bIns="0" anchor="ctr">
             <a:noAutofit/>
           </a:bodyPr>
+          <a:lstStyle/>
           <a:p>
             <a:endParaRPr lang="en-US" sz="1800" b="0" strike="noStrike" spc="-1">
               <a:solidFill>
@@ -4507,6 +4611,7 @@
           <a:bodyPr lIns="0" tIns="0" rIns="0" bIns="0">
             <a:normAutofit/>
           </a:bodyPr>
+          <a:lstStyle/>
           <a:p>
             <a:endParaRPr lang="en-US" sz="1800" b="0" strike="noStrike" spc="-1">
               <a:solidFill>
@@ -4540,6 +4645,7 @@
           <a:bodyPr lIns="0" tIns="0" rIns="0" bIns="0">
             <a:normAutofit/>
           </a:bodyPr>
+          <a:lstStyle/>
           <a:p>
             <a:endParaRPr lang="en-US" sz="1800" b="0" strike="noStrike" spc="-1">
               <a:solidFill>
@@ -4573,6 +4679,7 @@
           <a:bodyPr lIns="0" tIns="0" rIns="0" bIns="0">
             <a:normAutofit/>
           </a:bodyPr>
+          <a:lstStyle/>
           <a:p>
             <a:endParaRPr lang="en-US" sz="1800" b="0" strike="noStrike" spc="-1">
               <a:solidFill>
@@ -4631,6 +4738,7 @@
           <a:bodyPr lIns="0" tIns="0" rIns="0" bIns="0" anchor="ctr">
             <a:noAutofit/>
           </a:bodyPr>
+          <a:lstStyle/>
           <a:p>
             <a:endParaRPr lang="en-US" sz="1800" b="0" strike="noStrike" spc="-1">
               <a:solidFill>
@@ -4664,6 +4772,7 @@
           <a:bodyPr lIns="0" tIns="0" rIns="0" bIns="0">
             <a:normAutofit/>
           </a:bodyPr>
+          <a:lstStyle/>
           <a:p>
             <a:endParaRPr lang="en-US" sz="1800" b="0" strike="noStrike" spc="-1">
               <a:solidFill>
@@ -4697,6 +4806,7 @@
           <a:bodyPr lIns="0" tIns="0" rIns="0" bIns="0">
             <a:normAutofit/>
           </a:bodyPr>
+          <a:lstStyle/>
           <a:p>
             <a:endParaRPr lang="en-US" sz="1800" b="0" strike="noStrike" spc="-1">
               <a:solidFill>
@@ -4730,6 +4840,7 @@
           <a:bodyPr lIns="0" tIns="0" rIns="0" bIns="0">
             <a:normAutofit/>
           </a:bodyPr>
+          <a:lstStyle/>
           <a:p>
             <a:endParaRPr lang="en-US" sz="1800" b="0" strike="noStrike" spc="-1">
               <a:solidFill>
@@ -4788,6 +4899,7 @@
           <a:bodyPr lIns="0" tIns="0" rIns="0" bIns="0" anchor="ctr">
             <a:noAutofit/>
           </a:bodyPr>
+          <a:lstStyle/>
           <a:p>
             <a:endParaRPr lang="en-US" sz="1800" b="0" strike="noStrike" spc="-1">
               <a:solidFill>
@@ -4821,6 +4933,7 @@
           <a:bodyPr lIns="0" tIns="0" rIns="0" bIns="0">
             <a:normAutofit/>
           </a:bodyPr>
+          <a:lstStyle/>
           <a:p>
             <a:endParaRPr lang="en-US" sz="1800" b="0" strike="noStrike" spc="-1">
               <a:solidFill>
@@ -4854,6 +4967,7 @@
           <a:bodyPr lIns="0" tIns="0" rIns="0" bIns="0">
             <a:normAutofit/>
           </a:bodyPr>
+          <a:lstStyle/>
           <a:p>
             <a:endParaRPr lang="en-US" sz="1800" b="0" strike="noStrike" spc="-1">
               <a:solidFill>
@@ -4887,6 +5001,7 @@
           <a:bodyPr lIns="0" tIns="0" rIns="0" bIns="0">
             <a:normAutofit/>
           </a:bodyPr>
+          <a:lstStyle/>
           <a:p>
             <a:endParaRPr lang="en-US" sz="1800" b="0" strike="noStrike" spc="-1">
               <a:solidFill>
@@ -4945,6 +5060,7 @@
           <a:bodyPr lIns="0" tIns="0" rIns="0" bIns="0" anchor="ctr">
             <a:noAutofit/>
           </a:bodyPr>
+          <a:lstStyle/>
           <a:p>
             <a:endParaRPr lang="en-US" sz="1800" b="0" strike="noStrike" spc="-1">
               <a:solidFill>
@@ -4978,6 +5094,7 @@
           <a:bodyPr lIns="0" tIns="0" rIns="0" bIns="0">
             <a:normAutofit/>
           </a:bodyPr>
+          <a:lstStyle/>
           <a:p>
             <a:endParaRPr lang="en-US" sz="1800" b="0" strike="noStrike" spc="-1">
               <a:solidFill>
@@ -5011,6 +5128,7 @@
           <a:bodyPr lIns="0" tIns="0" rIns="0" bIns="0">
             <a:normAutofit/>
           </a:bodyPr>
+          <a:lstStyle/>
           <a:p>
             <a:endParaRPr lang="en-US" sz="1800" b="0" strike="noStrike" spc="-1">
               <a:solidFill>
@@ -5069,6 +5187,7 @@
           <a:bodyPr lIns="0" tIns="0" rIns="0" bIns="0" anchor="ctr">
             <a:noAutofit/>
           </a:bodyPr>
+          <a:lstStyle/>
           <a:p>
             <a:endParaRPr lang="en-US" sz="1800" b="0" strike="noStrike" spc="-1">
               <a:solidFill>
@@ -5102,6 +5221,7 @@
           <a:bodyPr lIns="0" tIns="0" rIns="0" bIns="0">
             <a:normAutofit/>
           </a:bodyPr>
+          <a:lstStyle/>
           <a:p>
             <a:endParaRPr lang="en-US" sz="1800" b="0" strike="noStrike" spc="-1">
               <a:solidFill>
@@ -5135,6 +5255,7 @@
           <a:bodyPr lIns="0" tIns="0" rIns="0" bIns="0">
             <a:normAutofit/>
           </a:bodyPr>
+          <a:lstStyle/>
           <a:p>
             <a:endParaRPr lang="en-US" sz="1800" b="0" strike="noStrike" spc="-1">
               <a:solidFill>
@@ -5168,6 +5289,7 @@
           <a:bodyPr lIns="0" tIns="0" rIns="0" bIns="0">
             <a:normAutofit/>
           </a:bodyPr>
+          <a:lstStyle/>
           <a:p>
             <a:endParaRPr lang="en-US" sz="1800" b="0" strike="noStrike" spc="-1">
               <a:solidFill>
@@ -5201,6 +5323,7 @@
           <a:bodyPr lIns="0" tIns="0" rIns="0" bIns="0">
             <a:normAutofit/>
           </a:bodyPr>
+          <a:lstStyle/>
           <a:p>
             <a:endParaRPr lang="en-US" sz="1800" b="0" strike="noStrike" spc="-1">
               <a:solidFill>
@@ -5259,6 +5382,7 @@
           <a:bodyPr lIns="0" tIns="0" rIns="0" bIns="0" anchor="ctr">
             <a:noAutofit/>
           </a:bodyPr>
+          <a:lstStyle/>
           <a:p>
             <a:endParaRPr lang="en-US" sz="1800" b="0" strike="noStrike" spc="-1">
               <a:solidFill>
@@ -5292,6 +5416,7 @@
           <a:bodyPr lIns="0" tIns="0" rIns="0" bIns="0">
             <a:normAutofit/>
           </a:bodyPr>
+          <a:lstStyle/>
           <a:p>
             <a:endParaRPr lang="en-US" sz="1800" b="0" strike="noStrike" spc="-1">
               <a:solidFill>
@@ -5325,6 +5450,7 @@
           <a:bodyPr lIns="0" tIns="0" rIns="0" bIns="0">
             <a:normAutofit/>
           </a:bodyPr>
+          <a:lstStyle/>
           <a:p>
             <a:endParaRPr lang="en-US" sz="1800" b="0" strike="noStrike" spc="-1">
               <a:solidFill>
@@ -5358,6 +5484,7 @@
           <a:bodyPr lIns="0" tIns="0" rIns="0" bIns="0">
             <a:normAutofit/>
           </a:bodyPr>
+          <a:lstStyle/>
           <a:p>
             <a:endParaRPr lang="en-US" sz="1800" b="0" strike="noStrike" spc="-1">
               <a:solidFill>
@@ -5391,6 +5518,7 @@
           <a:bodyPr lIns="0" tIns="0" rIns="0" bIns="0">
             <a:normAutofit/>
           </a:bodyPr>
+          <a:lstStyle/>
           <a:p>
             <a:endParaRPr lang="en-US" sz="1800" b="0" strike="noStrike" spc="-1">
               <a:solidFill>
@@ -5424,6 +5552,7 @@
           <a:bodyPr lIns="0" tIns="0" rIns="0" bIns="0">
             <a:normAutofit/>
           </a:bodyPr>
+          <a:lstStyle/>
           <a:p>
             <a:endParaRPr lang="en-US" sz="1800" b="0" strike="noStrike" spc="-1">
               <a:solidFill>
@@ -5457,6 +5586,7 @@
           <a:bodyPr lIns="0" tIns="0" rIns="0" bIns="0">
             <a:normAutofit/>
           </a:bodyPr>
+          <a:lstStyle/>
           <a:p>
             <a:endParaRPr lang="en-US" sz="1800" b="0" strike="noStrike" spc="-1">
               <a:solidFill>
@@ -5540,6 +5670,7 @@
           <a:bodyPr lIns="0" tIns="0" rIns="0" bIns="0" anchor="ctr">
             <a:noAutofit/>
           </a:bodyPr>
+          <a:lstStyle/>
           <a:p>
             <a:endParaRPr lang="en-US" sz="1800" b="0" strike="noStrike" spc="-1">
               <a:solidFill>
@@ -5598,6 +5729,7 @@
           <a:bodyPr lIns="0" tIns="0" rIns="0" bIns="0" anchor="ctr">
             <a:noAutofit/>
           </a:bodyPr>
+          <a:lstStyle/>
           <a:p>
             <a:endParaRPr lang="en-US" sz="1800" b="0" strike="noStrike" spc="-1">
               <a:solidFill>
@@ -5631,6 +5763,7 @@
           <a:bodyPr lIns="0" tIns="0" rIns="0" bIns="0" anchor="ctr">
             <a:noAutofit/>
           </a:bodyPr>
+          <a:lstStyle/>
           <a:p>
             <a:pPr algn="ctr"/>
             <a:endParaRPr lang="en-US" sz="3200" b="0" strike="noStrike" spc="-1">
@@ -5687,6 +5820,7 @@
           <a:bodyPr lIns="0" tIns="0" rIns="0" bIns="0" anchor="ctr">
             <a:noAutofit/>
           </a:bodyPr>
+          <a:lstStyle/>
           <a:p>
             <a:endParaRPr lang="en-US" sz="1800" b="0" strike="noStrike" spc="-1">
               <a:solidFill>
@@ -5720,6 +5854,7 @@
           <a:bodyPr lIns="0" tIns="0" rIns="0" bIns="0">
             <a:normAutofit/>
           </a:bodyPr>
+          <a:lstStyle/>
           <a:p>
             <a:endParaRPr lang="en-US" sz="1800" b="0" strike="noStrike" spc="-1">
               <a:solidFill>
@@ -5778,6 +5913,7 @@
           <a:bodyPr lIns="0" tIns="0" rIns="0" bIns="0" anchor="ctr">
             <a:noAutofit/>
           </a:bodyPr>
+          <a:lstStyle/>
           <a:p>
             <a:endParaRPr lang="en-US" sz="1800" b="0" strike="noStrike" spc="-1">
               <a:solidFill>
@@ -5811,6 +5947,7 @@
           <a:bodyPr lIns="0" tIns="0" rIns="0" bIns="0">
             <a:normAutofit/>
           </a:bodyPr>
+          <a:lstStyle/>
           <a:p>
             <a:endParaRPr lang="en-US" sz="1800" b="0" strike="noStrike" spc="-1">
               <a:solidFill>
@@ -5844,6 +5981,7 @@
           <a:bodyPr lIns="0" tIns="0" rIns="0" bIns="0">
             <a:normAutofit/>
           </a:bodyPr>
+          <a:lstStyle/>
           <a:p>
             <a:endParaRPr lang="en-US" sz="1800" b="0" strike="noStrike" spc="-1">
               <a:solidFill>
@@ -5902,6 +6040,7 @@
           <a:bodyPr lIns="0" tIns="0" rIns="0" bIns="0" anchor="ctr">
             <a:noAutofit/>
           </a:bodyPr>
+          <a:lstStyle/>
           <a:p>
             <a:endParaRPr lang="en-US" sz="1800" b="0" strike="noStrike" spc="-1">
               <a:solidFill>
@@ -5960,6 +6099,7 @@
           <a:bodyPr lIns="0" tIns="0" rIns="0" bIns="0" anchor="ctr">
             <a:noAutofit/>
           </a:bodyPr>
+          <a:lstStyle/>
           <a:p>
             <a:pPr algn="ctr"/>
             <a:endParaRPr lang="en-US" sz="3200" b="0" strike="noStrike" spc="-1">
@@ -6016,6 +6156,7 @@
           <a:bodyPr lIns="0" tIns="0" rIns="0" bIns="0" anchor="ctr">
             <a:noAutofit/>
           </a:bodyPr>
+          <a:lstStyle/>
           <a:p>
             <a:endParaRPr lang="en-US" sz="1800" b="0" strike="noStrike" spc="-1">
               <a:solidFill>
@@ -6049,6 +6190,7 @@
           <a:bodyPr lIns="0" tIns="0" rIns="0" bIns="0">
             <a:normAutofit/>
           </a:bodyPr>
+          <a:lstStyle/>
           <a:p>
             <a:endParaRPr lang="en-US" sz="1800" b="0" strike="noStrike" spc="-1">
               <a:solidFill>
@@ -6082,6 +6224,7 @@
           <a:bodyPr lIns="0" tIns="0" rIns="0" bIns="0">
             <a:normAutofit/>
           </a:bodyPr>
+          <a:lstStyle/>
           <a:p>
             <a:endParaRPr lang="en-US" sz="1800" b="0" strike="noStrike" spc="-1">
               <a:solidFill>
@@ -6115,6 +6258,7 @@
           <a:bodyPr lIns="0" tIns="0" rIns="0" bIns="0">
             <a:normAutofit/>
           </a:bodyPr>
+          <a:lstStyle/>
           <a:p>
             <a:endParaRPr lang="en-US" sz="1800" b="0" strike="noStrike" spc="-1">
               <a:solidFill>
@@ -6173,6 +6317,7 @@
           <a:bodyPr lIns="0" tIns="0" rIns="0" bIns="0" anchor="ctr">
             <a:noAutofit/>
           </a:bodyPr>
+          <a:lstStyle/>
           <a:p>
             <a:endParaRPr lang="en-US" sz="1800" b="0" strike="noStrike" spc="-1">
               <a:solidFill>
@@ -6206,6 +6351,7 @@
           <a:bodyPr lIns="0" tIns="0" rIns="0" bIns="0">
             <a:normAutofit/>
           </a:bodyPr>
+          <a:lstStyle/>
           <a:p>
             <a:endParaRPr lang="en-US" sz="1800" b="0" strike="noStrike" spc="-1">
               <a:solidFill>
@@ -6239,6 +6385,7 @@
           <a:bodyPr lIns="0" tIns="0" rIns="0" bIns="0">
             <a:normAutofit/>
           </a:bodyPr>
+          <a:lstStyle/>
           <a:p>
             <a:endParaRPr lang="en-US" sz="1800" b="0" strike="noStrike" spc="-1">
               <a:solidFill>
@@ -6272,6 +6419,7 @@
           <a:bodyPr lIns="0" tIns="0" rIns="0" bIns="0">
             <a:normAutofit/>
           </a:bodyPr>
+          <a:lstStyle/>
           <a:p>
             <a:endParaRPr lang="en-US" sz="1800" b="0" strike="noStrike" spc="-1">
               <a:solidFill>
@@ -6330,6 +6478,7 @@
           <a:bodyPr lIns="0" tIns="0" rIns="0" bIns="0" anchor="ctr">
             <a:noAutofit/>
           </a:bodyPr>
+          <a:lstStyle/>
           <a:p>
             <a:endParaRPr lang="en-US" sz="1800" b="0" strike="noStrike" spc="-1">
               <a:solidFill>
@@ -6363,6 +6512,7 @@
           <a:bodyPr lIns="0" tIns="0" rIns="0" bIns="0">
             <a:normAutofit/>
           </a:bodyPr>
+          <a:lstStyle/>
           <a:p>
             <a:endParaRPr lang="en-US" sz="1800" b="0" strike="noStrike" spc="-1">
               <a:solidFill>
@@ -6396,6 +6546,7 @@
           <a:bodyPr lIns="0" tIns="0" rIns="0" bIns="0">
             <a:normAutofit/>
           </a:bodyPr>
+          <a:lstStyle/>
           <a:p>
             <a:endParaRPr lang="en-US" sz="1800" b="0" strike="noStrike" spc="-1">
               <a:solidFill>
@@ -6429,6 +6580,7 @@
           <a:bodyPr lIns="0" tIns="0" rIns="0" bIns="0">
             <a:normAutofit/>
           </a:bodyPr>
+          <a:lstStyle/>
           <a:p>
             <a:endParaRPr lang="en-US" sz="1800" b="0" strike="noStrike" spc="-1">
               <a:solidFill>
@@ -6487,6 +6639,7 @@
           <a:bodyPr lIns="0" tIns="0" rIns="0" bIns="0" anchor="ctr">
             <a:noAutofit/>
           </a:bodyPr>
+          <a:lstStyle/>
           <a:p>
             <a:endParaRPr lang="en-US" sz="1800" b="0" strike="noStrike" spc="-1">
               <a:solidFill>
@@ -6520,6 +6673,7 @@
           <a:bodyPr lIns="0" tIns="0" rIns="0" bIns="0">
             <a:normAutofit/>
           </a:bodyPr>
+          <a:lstStyle/>
           <a:p>
             <a:endParaRPr lang="en-US" sz="1800" b="0" strike="noStrike" spc="-1">
               <a:solidFill>
@@ -6553,6 +6707,7 @@
           <a:bodyPr lIns="0" tIns="0" rIns="0" bIns="0">
             <a:normAutofit/>
           </a:bodyPr>
+          <a:lstStyle/>
           <a:p>
             <a:endParaRPr lang="en-US" sz="1800" b="0" strike="noStrike" spc="-1">
               <a:solidFill>
@@ -6611,6 +6766,7 @@
           <a:bodyPr lIns="0" tIns="0" rIns="0" bIns="0" anchor="ctr">
             <a:noAutofit/>
           </a:bodyPr>
+          <a:lstStyle/>
           <a:p>
             <a:endParaRPr lang="en-US" sz="1800" b="0" strike="noStrike" spc="-1">
               <a:solidFill>
@@ -6644,6 +6800,7 @@
           <a:bodyPr lIns="0" tIns="0" rIns="0" bIns="0">
             <a:normAutofit/>
           </a:bodyPr>
+          <a:lstStyle/>
           <a:p>
             <a:endParaRPr lang="en-US" sz="1800" b="0" strike="noStrike" spc="-1">
               <a:solidFill>
@@ -6677,6 +6834,7 @@
           <a:bodyPr lIns="0" tIns="0" rIns="0" bIns="0">
             <a:normAutofit/>
           </a:bodyPr>
+          <a:lstStyle/>
           <a:p>
             <a:endParaRPr lang="en-US" sz="1800" b="0" strike="noStrike" spc="-1">
               <a:solidFill>
@@ -6710,6 +6868,7 @@
           <a:bodyPr lIns="0" tIns="0" rIns="0" bIns="0">
             <a:normAutofit/>
           </a:bodyPr>
+          <a:lstStyle/>
           <a:p>
             <a:endParaRPr lang="en-US" sz="1800" b="0" strike="noStrike" spc="-1">
               <a:solidFill>
@@ -6743,6 +6902,7 @@
           <a:bodyPr lIns="0" tIns="0" rIns="0" bIns="0">
             <a:normAutofit/>
           </a:bodyPr>
+          <a:lstStyle/>
           <a:p>
             <a:endParaRPr lang="en-US" sz="1800" b="0" strike="noStrike" spc="-1">
               <a:solidFill>
@@ -6801,6 +6961,7 @@
           <a:bodyPr lIns="0" tIns="0" rIns="0" bIns="0" anchor="ctr">
             <a:noAutofit/>
           </a:bodyPr>
+          <a:lstStyle/>
           <a:p>
             <a:pPr algn="ctr"/>
             <a:endParaRPr lang="en-US" sz="3200" b="0" strike="noStrike" spc="-1">
@@ -6857,6 +7018,7 @@
           <a:bodyPr lIns="0" tIns="0" rIns="0" bIns="0" anchor="ctr">
             <a:noAutofit/>
           </a:bodyPr>
+          <a:lstStyle/>
           <a:p>
             <a:endParaRPr lang="en-US" sz="1800" b="0" strike="noStrike" spc="-1">
               <a:solidFill>
@@ -6890,6 +7052,7 @@
           <a:bodyPr lIns="0" tIns="0" rIns="0" bIns="0">
             <a:normAutofit/>
           </a:bodyPr>
+          <a:lstStyle/>
           <a:p>
             <a:endParaRPr lang="en-US" sz="1800" b="0" strike="noStrike" spc="-1">
               <a:solidFill>
@@ -6923,6 +7086,7 @@
           <a:bodyPr lIns="0" tIns="0" rIns="0" bIns="0">
             <a:normAutofit/>
           </a:bodyPr>
+          <a:lstStyle/>
           <a:p>
             <a:endParaRPr lang="en-US" sz="1800" b="0" strike="noStrike" spc="-1">
               <a:solidFill>
@@ -6956,6 +7120,7 @@
           <a:bodyPr lIns="0" tIns="0" rIns="0" bIns="0">
             <a:normAutofit/>
           </a:bodyPr>
+          <a:lstStyle/>
           <a:p>
             <a:endParaRPr lang="en-US" sz="1800" b="0" strike="noStrike" spc="-1">
               <a:solidFill>
@@ -6989,6 +7154,7 @@
           <a:bodyPr lIns="0" tIns="0" rIns="0" bIns="0">
             <a:normAutofit/>
           </a:bodyPr>
+          <a:lstStyle/>
           <a:p>
             <a:endParaRPr lang="en-US" sz="1800" b="0" strike="noStrike" spc="-1">
               <a:solidFill>
@@ -7022,6 +7188,7 @@
           <a:bodyPr lIns="0" tIns="0" rIns="0" bIns="0">
             <a:normAutofit/>
           </a:bodyPr>
+          <a:lstStyle/>
           <a:p>
             <a:endParaRPr lang="en-US" sz="1800" b="0" strike="noStrike" spc="-1">
               <a:solidFill>
@@ -7055,6 +7222,7 @@
           <a:bodyPr lIns="0" tIns="0" rIns="0" bIns="0">
             <a:normAutofit/>
           </a:bodyPr>
+          <a:lstStyle/>
           <a:p>
             <a:endParaRPr lang="en-US" sz="1800" b="0" strike="noStrike" spc="-1">
               <a:solidFill>
@@ -7138,6 +7306,7 @@
           <a:bodyPr lIns="0" tIns="0" rIns="0" bIns="0" anchor="ctr">
             <a:noAutofit/>
           </a:bodyPr>
+          <a:lstStyle/>
           <a:p>
             <a:endParaRPr lang="en-US" sz="1800" b="0" strike="noStrike" spc="-1">
               <a:solidFill>
@@ -7171,6 +7340,7 @@
           <a:bodyPr lIns="0" tIns="0" rIns="0" bIns="0" anchor="ctr">
             <a:noAutofit/>
           </a:bodyPr>
+          <a:lstStyle/>
           <a:p>
             <a:pPr algn="ctr"/>
             <a:endParaRPr lang="en-US" sz="3200" b="0" strike="noStrike" spc="-1">
@@ -7227,6 +7397,7 @@
           <a:bodyPr lIns="0" tIns="0" rIns="0" bIns="0" anchor="ctr">
             <a:noAutofit/>
           </a:bodyPr>
+          <a:lstStyle/>
           <a:p>
             <a:endParaRPr lang="en-US" sz="1800" b="0" strike="noStrike" spc="-1">
               <a:solidFill>
@@ -7260,6 +7431,7 @@
           <a:bodyPr lIns="0" tIns="0" rIns="0" bIns="0">
             <a:normAutofit/>
           </a:bodyPr>
+          <a:lstStyle/>
           <a:p>
             <a:endParaRPr lang="en-US" sz="1800" b="0" strike="noStrike" spc="-1">
               <a:solidFill>
@@ -7318,6 +7490,7 @@
           <a:bodyPr lIns="0" tIns="0" rIns="0" bIns="0" anchor="ctr">
             <a:noAutofit/>
           </a:bodyPr>
+          <a:lstStyle/>
           <a:p>
             <a:endParaRPr lang="en-US" sz="1800" b="0" strike="noStrike" spc="-1">
               <a:solidFill>
@@ -7351,6 +7524,7 @@
           <a:bodyPr lIns="0" tIns="0" rIns="0" bIns="0">
             <a:normAutofit/>
           </a:bodyPr>
+          <a:lstStyle/>
           <a:p>
             <a:endParaRPr lang="en-US" sz="1800" b="0" strike="noStrike" spc="-1">
               <a:solidFill>
@@ -7384,6 +7558,7 @@
           <a:bodyPr lIns="0" tIns="0" rIns="0" bIns="0">
             <a:normAutofit/>
           </a:bodyPr>
+          <a:lstStyle/>
           <a:p>
             <a:endParaRPr lang="en-US" sz="1800" b="0" strike="noStrike" spc="-1">
               <a:solidFill>
@@ -7442,6 +7617,7 @@
           <a:bodyPr lIns="0" tIns="0" rIns="0" bIns="0" anchor="ctr">
             <a:noAutofit/>
           </a:bodyPr>
+          <a:lstStyle/>
           <a:p>
             <a:endParaRPr lang="en-US" sz="1800" b="0" strike="noStrike" spc="-1">
               <a:solidFill>
@@ -7500,6 +7676,7 @@
           <a:bodyPr lIns="0" tIns="0" rIns="0" bIns="0" anchor="ctr">
             <a:noAutofit/>
           </a:bodyPr>
+          <a:lstStyle/>
           <a:p>
             <a:pPr algn="ctr"/>
             <a:endParaRPr lang="en-US" sz="3200" b="0" strike="noStrike" spc="-1">
@@ -7556,6 +7733,7 @@
           <a:bodyPr lIns="0" tIns="0" rIns="0" bIns="0" anchor="ctr">
             <a:noAutofit/>
           </a:bodyPr>
+          <a:lstStyle/>
           <a:p>
             <a:endParaRPr lang="en-US" sz="1800" b="0" strike="noStrike" spc="-1">
               <a:solidFill>
@@ -7589,6 +7767,7 @@
           <a:bodyPr lIns="0" tIns="0" rIns="0" bIns="0">
             <a:normAutofit/>
           </a:bodyPr>
+          <a:lstStyle/>
           <a:p>
             <a:endParaRPr lang="en-US" sz="1800" b="0" strike="noStrike" spc="-1">
               <a:solidFill>
@@ -7622,6 +7801,7 @@
           <a:bodyPr lIns="0" tIns="0" rIns="0" bIns="0">
             <a:normAutofit/>
           </a:bodyPr>
+          <a:lstStyle/>
           <a:p>
             <a:endParaRPr lang="en-US" sz="1800" b="0" strike="noStrike" spc="-1">
               <a:solidFill>
@@ -7655,6 +7835,7 @@
           <a:bodyPr lIns="0" tIns="0" rIns="0" bIns="0">
             <a:normAutofit/>
           </a:bodyPr>
+          <a:lstStyle/>
           <a:p>
             <a:endParaRPr lang="en-US" sz="1800" b="0" strike="noStrike" spc="-1">
               <a:solidFill>
@@ -7713,6 +7894,7 @@
           <a:bodyPr lIns="0" tIns="0" rIns="0" bIns="0" anchor="ctr">
             <a:noAutofit/>
           </a:bodyPr>
+          <a:lstStyle/>
           <a:p>
             <a:endParaRPr lang="en-US" sz="1800" b="0" strike="noStrike" spc="-1">
               <a:solidFill>
@@ -7746,6 +7928,7 @@
           <a:bodyPr lIns="0" tIns="0" rIns="0" bIns="0">
             <a:normAutofit/>
           </a:bodyPr>
+          <a:lstStyle/>
           <a:p>
             <a:endParaRPr lang="en-US" sz="1800" b="0" strike="noStrike" spc="-1">
               <a:solidFill>
@@ -7779,6 +7962,7 @@
           <a:bodyPr lIns="0" tIns="0" rIns="0" bIns="0">
             <a:normAutofit/>
           </a:bodyPr>
+          <a:lstStyle/>
           <a:p>
             <a:endParaRPr lang="en-US" sz="1800" b="0" strike="noStrike" spc="-1">
               <a:solidFill>
@@ -7812,6 +7996,7 @@
           <a:bodyPr lIns="0" tIns="0" rIns="0" bIns="0">
             <a:normAutofit/>
           </a:bodyPr>
+          <a:lstStyle/>
           <a:p>
             <a:endParaRPr lang="en-US" sz="1800" b="0" strike="noStrike" spc="-1">
               <a:solidFill>
@@ -7870,6 +8055,7 @@
           <a:bodyPr lIns="0" tIns="0" rIns="0" bIns="0" anchor="ctr">
             <a:noAutofit/>
           </a:bodyPr>
+          <a:lstStyle/>
           <a:p>
             <a:endParaRPr lang="en-US" sz="1800" b="0" strike="noStrike" spc="-1">
               <a:solidFill>
@@ -7903,6 +8089,7 @@
           <a:bodyPr lIns="0" tIns="0" rIns="0" bIns="0">
             <a:normAutofit/>
           </a:bodyPr>
+          <a:lstStyle/>
           <a:p>
             <a:endParaRPr lang="en-US" sz="1800" b="0" strike="noStrike" spc="-1">
               <a:solidFill>
@@ -7936,6 +8123,7 @@
           <a:bodyPr lIns="0" tIns="0" rIns="0" bIns="0">
             <a:normAutofit/>
           </a:bodyPr>
+          <a:lstStyle/>
           <a:p>
             <a:endParaRPr lang="en-US" sz="1800" b="0" strike="noStrike" spc="-1">
               <a:solidFill>
@@ -7969,6 +8157,7 @@
           <a:bodyPr lIns="0" tIns="0" rIns="0" bIns="0">
             <a:normAutofit/>
           </a:bodyPr>
+          <a:lstStyle/>
           <a:p>
             <a:endParaRPr lang="en-US" sz="1800" b="0" strike="noStrike" spc="-1">
               <a:solidFill>
@@ -8027,6 +8216,7 @@
           <a:bodyPr lIns="0" tIns="0" rIns="0" bIns="0" anchor="ctr">
             <a:noAutofit/>
           </a:bodyPr>
+          <a:lstStyle/>
           <a:p>
             <a:endParaRPr lang="en-US" sz="1800" b="0" strike="noStrike" spc="-1">
               <a:solidFill>
@@ -8060,6 +8250,7 @@
           <a:bodyPr lIns="0" tIns="0" rIns="0" bIns="0">
             <a:normAutofit/>
           </a:bodyPr>
+          <a:lstStyle/>
           <a:p>
             <a:endParaRPr lang="en-US" sz="1800" b="0" strike="noStrike" spc="-1">
               <a:solidFill>
@@ -8093,6 +8284,7 @@
           <a:bodyPr lIns="0" tIns="0" rIns="0" bIns="0">
             <a:normAutofit/>
           </a:bodyPr>
+          <a:lstStyle/>
           <a:p>
             <a:endParaRPr lang="en-US" sz="1800" b="0" strike="noStrike" spc="-1">
               <a:solidFill>
@@ -8126,6 +8318,7 @@
           <a:bodyPr lIns="0" tIns="0" rIns="0" bIns="0">
             <a:normAutofit/>
           </a:bodyPr>
+          <a:lstStyle/>
           <a:p>
             <a:endParaRPr lang="en-US" sz="1800" b="0" strike="noStrike" spc="-1">
               <a:solidFill>
@@ -8184,6 +8377,7 @@
           <a:bodyPr lIns="0" tIns="0" rIns="0" bIns="0" anchor="ctr">
             <a:noAutofit/>
           </a:bodyPr>
+          <a:lstStyle/>
           <a:p>
             <a:endParaRPr lang="en-US" sz="1800" b="0" strike="noStrike" spc="-1">
               <a:solidFill>
@@ -8217,6 +8411,7 @@
           <a:bodyPr lIns="0" tIns="0" rIns="0" bIns="0">
             <a:normAutofit/>
           </a:bodyPr>
+          <a:lstStyle/>
           <a:p>
             <a:endParaRPr lang="en-US" sz="1800" b="0" strike="noStrike" spc="-1">
               <a:solidFill>
@@ -8250,6 +8445,7 @@
           <a:bodyPr lIns="0" tIns="0" rIns="0" bIns="0">
             <a:normAutofit/>
           </a:bodyPr>
+          <a:lstStyle/>
           <a:p>
             <a:endParaRPr lang="en-US" sz="1800" b="0" strike="noStrike" spc="-1">
               <a:solidFill>
@@ -8308,6 +8504,7 @@
           <a:bodyPr lIns="0" tIns="0" rIns="0" bIns="0" anchor="ctr">
             <a:noAutofit/>
           </a:bodyPr>
+          <a:lstStyle/>
           <a:p>
             <a:endParaRPr lang="en-US" sz="1800" b="0" strike="noStrike" spc="-1">
               <a:solidFill>
@@ -8341,6 +8538,7 @@
           <a:bodyPr lIns="0" tIns="0" rIns="0" bIns="0">
             <a:normAutofit/>
           </a:bodyPr>
+          <a:lstStyle/>
           <a:p>
             <a:endParaRPr lang="en-US" sz="1800" b="0" strike="noStrike" spc="-1">
               <a:solidFill>
@@ -8374,6 +8572,7 @@
           <a:bodyPr lIns="0" tIns="0" rIns="0" bIns="0">
             <a:normAutofit/>
           </a:bodyPr>
+          <a:lstStyle/>
           <a:p>
             <a:endParaRPr lang="en-US" sz="1800" b="0" strike="noStrike" spc="-1">
               <a:solidFill>
@@ -8407,6 +8606,7 @@
           <a:bodyPr lIns="0" tIns="0" rIns="0" bIns="0">
             <a:normAutofit/>
           </a:bodyPr>
+          <a:lstStyle/>
           <a:p>
             <a:endParaRPr lang="en-US" sz="1800" b="0" strike="noStrike" spc="-1">
               <a:solidFill>
@@ -8440,6 +8640,7 @@
           <a:bodyPr lIns="0" tIns="0" rIns="0" bIns="0">
             <a:normAutofit/>
           </a:bodyPr>
+          <a:lstStyle/>
           <a:p>
             <a:endParaRPr lang="en-US" sz="1800" b="0" strike="noStrike" spc="-1">
               <a:solidFill>
@@ -8498,6 +8699,7 @@
           <a:bodyPr lIns="0" tIns="0" rIns="0" bIns="0" anchor="ctr">
             <a:noAutofit/>
           </a:bodyPr>
+          <a:lstStyle/>
           <a:p>
             <a:endParaRPr lang="en-US" sz="1800" b="0" strike="noStrike" spc="-1">
               <a:solidFill>
@@ -8531,6 +8733,7 @@
           <a:bodyPr lIns="0" tIns="0" rIns="0" bIns="0">
             <a:normAutofit/>
           </a:bodyPr>
+          <a:lstStyle/>
           <a:p>
             <a:endParaRPr lang="en-US" sz="1800" b="0" strike="noStrike" spc="-1">
               <a:solidFill>
@@ -8564,6 +8767,7 @@
           <a:bodyPr lIns="0" tIns="0" rIns="0" bIns="0">
             <a:normAutofit/>
           </a:bodyPr>
+          <a:lstStyle/>
           <a:p>
             <a:endParaRPr lang="en-US" sz="1800" b="0" strike="noStrike" spc="-1">
               <a:solidFill>
@@ -8597,6 +8801,7 @@
           <a:bodyPr lIns="0" tIns="0" rIns="0" bIns="0">
             <a:normAutofit/>
           </a:bodyPr>
+          <a:lstStyle/>
           <a:p>
             <a:endParaRPr lang="en-US" sz="1800" b="0" strike="noStrike" spc="-1">
               <a:solidFill>
@@ -8630,6 +8835,7 @@
           <a:bodyPr lIns="0" tIns="0" rIns="0" bIns="0">
             <a:normAutofit/>
           </a:bodyPr>
+          <a:lstStyle/>
           <a:p>
             <a:endParaRPr lang="en-US" sz="1800" b="0" strike="noStrike" spc="-1">
               <a:solidFill>
@@ -8663,6 +8869,7 @@
           <a:bodyPr lIns="0" tIns="0" rIns="0" bIns="0">
             <a:normAutofit/>
           </a:bodyPr>
+          <a:lstStyle/>
           <a:p>
             <a:endParaRPr lang="en-US" sz="1800" b="0" strike="noStrike" spc="-1">
               <a:solidFill>
@@ -8696,6 +8903,7 @@
           <a:bodyPr lIns="0" tIns="0" rIns="0" bIns="0">
             <a:normAutofit/>
           </a:bodyPr>
+          <a:lstStyle/>
           <a:p>
             <a:endParaRPr lang="en-US" sz="1800" b="0" strike="noStrike" spc="-1">
               <a:solidFill>
@@ -8754,6 +8962,7 @@
           <a:bodyPr lIns="0" tIns="0" rIns="0" bIns="0" anchor="ctr">
             <a:noAutofit/>
           </a:bodyPr>
+          <a:lstStyle/>
           <a:p>
             <a:endParaRPr lang="en-US" sz="1800" b="0" strike="noStrike" spc="-1">
               <a:solidFill>
@@ -8787,6 +8996,7 @@
           <a:bodyPr lIns="0" tIns="0" rIns="0" bIns="0">
             <a:normAutofit/>
           </a:bodyPr>
+          <a:lstStyle/>
           <a:p>
             <a:endParaRPr lang="en-US" sz="1800" b="0" strike="noStrike" spc="-1">
               <a:solidFill>
@@ -8820,6 +9030,7 @@
           <a:bodyPr lIns="0" tIns="0" rIns="0" bIns="0">
             <a:normAutofit/>
           </a:bodyPr>
+          <a:lstStyle/>
           <a:p>
             <a:endParaRPr lang="en-US" sz="1800" b="0" strike="noStrike" spc="-1">
               <a:solidFill>
@@ -8853,6 +9064,7 @@
           <a:bodyPr lIns="0" tIns="0" rIns="0" bIns="0">
             <a:normAutofit/>
           </a:bodyPr>
+          <a:lstStyle/>
           <a:p>
             <a:endParaRPr lang="en-US" sz="1800" b="0" strike="noStrike" spc="-1">
               <a:solidFill>
@@ -8911,6 +9123,7 @@
           <a:bodyPr lIns="0" tIns="0" rIns="0" bIns="0" anchor="ctr">
             <a:noAutofit/>
           </a:bodyPr>
+          <a:lstStyle/>
           <a:p>
             <a:endParaRPr lang="en-US" sz="1800" b="0" strike="noStrike" spc="-1">
               <a:solidFill>
@@ -8944,6 +9157,7 @@
           <a:bodyPr lIns="0" tIns="0" rIns="0" bIns="0">
             <a:normAutofit/>
           </a:bodyPr>
+          <a:lstStyle/>
           <a:p>
             <a:endParaRPr lang="en-US" sz="1800" b="0" strike="noStrike" spc="-1">
               <a:solidFill>
@@ -8977,6 +9191,7 @@
           <a:bodyPr lIns="0" tIns="0" rIns="0" bIns="0">
             <a:normAutofit/>
           </a:bodyPr>
+          <a:lstStyle/>
           <a:p>
             <a:endParaRPr lang="en-US" sz="1800" b="0" strike="noStrike" spc="-1">
               <a:solidFill>
@@ -9010,6 +9225,7 @@
           <a:bodyPr lIns="0" tIns="0" rIns="0" bIns="0">
             <a:normAutofit/>
           </a:bodyPr>
+          <a:lstStyle/>
           <a:p>
             <a:endParaRPr lang="en-US" sz="1800" b="0" strike="noStrike" spc="-1">
               <a:solidFill>
@@ -9034,7 +9250,7 @@
     <p:bg>
       <p:bgPr>
         <a:blipFill rotWithShape="0">
-          <a:blip r:embed="rId13"/>
+          <a:blip r:embed="rId14"/>
           <a:stretch>
             <a:fillRect/>
           </a:stretch>
@@ -9058,7 +9274,7 @@
       </p:grpSpPr>
       <p:sp>
         <p:nvSpPr>
-          <p:cNvPr id="0" name="PlaceHolder 1"/>
+          <p:cNvPr id="3" name="PlaceHolder 1"/>
           <p:cNvSpPr>
             <a:spLocks noGrp="1"/>
           </p:cNvSpPr>
@@ -9079,6 +9295,7 @@
           <a:bodyPr lIns="0" tIns="0" rIns="0" bIns="0" anchor="ctr">
             <a:noAutofit/>
           </a:bodyPr>
+          <a:lstStyle/>
           <a:p>
             <a:r>
               <a:rPr lang="en-US" sz="1800" b="0" strike="noStrike" spc="-1">
@@ -9089,12 +9306,6 @@
               </a:rPr>
               <a:t>Click to edit the title text format</a:t>
             </a:r>
-            <a:endParaRPr lang="en-US" sz="1800" b="0" strike="noStrike" spc="-1">
-              <a:solidFill>
-                <a:srgbClr val="000000"/>
-              </a:solidFill>
-              <a:latin typeface="Arial" panose="020B0604020202020204"/>
-            </a:endParaRPr>
           </a:p>
         </p:txBody>
       </p:sp>
@@ -9121,6 +9332,7 @@
           <a:bodyPr lIns="0" tIns="0" rIns="0" bIns="0">
             <a:normAutofit/>
           </a:bodyPr>
+          <a:lstStyle/>
           <a:p>
             <a:pPr marL="431800" indent="-323850">
               <a:spcBef>
@@ -9142,12 +9354,6 @@
               </a:rPr>
               <a:t>Click to edit the outline text format</a:t>
             </a:r>
-            <a:endParaRPr lang="en-US" sz="1800" b="0" strike="noStrike" spc="-1">
-              <a:solidFill>
-                <a:srgbClr val="000000"/>
-              </a:solidFill>
-              <a:latin typeface="Arial" panose="020B0604020202020204"/>
-            </a:endParaRPr>
           </a:p>
           <a:p>
             <a:pPr marL="864235" lvl="1" indent="-323850">
@@ -9170,12 +9376,6 @@
               </a:rPr>
               <a:t>Second Outline Level</a:t>
             </a:r>
-            <a:endParaRPr lang="en-US" sz="1800" b="0" strike="noStrike" spc="-1">
-              <a:solidFill>
-                <a:srgbClr val="000000"/>
-              </a:solidFill>
-              <a:latin typeface="Arial" panose="020B0604020202020204"/>
-            </a:endParaRPr>
           </a:p>
           <a:p>
             <a:pPr marL="1296035" lvl="2" indent="-288290">
@@ -9198,12 +9398,6 @@
               </a:rPr>
               <a:t>Third Outline Level</a:t>
             </a:r>
-            <a:endParaRPr lang="en-US" sz="1800" b="0" strike="noStrike" spc="-1">
-              <a:solidFill>
-                <a:srgbClr val="000000"/>
-              </a:solidFill>
-              <a:latin typeface="Arial" panose="020B0604020202020204"/>
-            </a:endParaRPr>
           </a:p>
           <a:p>
             <a:pPr marL="1727835" lvl="3" indent="-215900">
@@ -9226,12 +9420,6 @@
               </a:rPr>
               <a:t>Fourth Outline Level</a:t>
             </a:r>
-            <a:endParaRPr lang="en-US" sz="1800" b="0" strike="noStrike" spc="-1">
-              <a:solidFill>
-                <a:srgbClr val="000000"/>
-              </a:solidFill>
-              <a:latin typeface="Arial" panose="020B0604020202020204"/>
-            </a:endParaRPr>
           </a:p>
           <a:p>
             <a:pPr marL="2160270" lvl="4" indent="-215900">
@@ -9254,12 +9442,6 @@
               </a:rPr>
               <a:t>Fifth Outline Level</a:t>
             </a:r>
-            <a:endParaRPr lang="en-US" sz="2000" b="0" strike="noStrike" spc="-1">
-              <a:solidFill>
-                <a:srgbClr val="000000"/>
-              </a:solidFill>
-              <a:latin typeface="Arial" panose="020B0604020202020204"/>
-            </a:endParaRPr>
           </a:p>
           <a:p>
             <a:pPr marL="2592070" lvl="5" indent="-215900">
@@ -9282,12 +9464,6 @@
               </a:rPr>
               <a:t>Sixth Outline Level</a:t>
             </a:r>
-            <a:endParaRPr lang="en-US" sz="2000" b="0" strike="noStrike" spc="-1">
-              <a:solidFill>
-                <a:srgbClr val="000000"/>
-              </a:solidFill>
-              <a:latin typeface="Arial" panose="020B0604020202020204"/>
-            </a:endParaRPr>
           </a:p>
           <a:p>
             <a:pPr marL="3023870" lvl="6" indent="-215900">
@@ -9310,12 +9486,6 @@
               </a:rPr>
               <a:t>Seventh Outline Level</a:t>
             </a:r>
-            <a:endParaRPr lang="en-US" sz="2000" b="0" strike="noStrike" spc="-1">
-              <a:solidFill>
-                <a:srgbClr val="000000"/>
-              </a:solidFill>
-              <a:latin typeface="Arial" panose="020B0604020202020204"/>
-            </a:endParaRPr>
           </a:p>
         </p:txBody>
       </p:sp>
@@ -9350,7 +9520,7 @@
     <p:bg>
       <p:bgPr>
         <a:blipFill rotWithShape="0">
-          <a:blip r:embed="rId13"/>
+          <a:blip r:embed="rId14"/>
           <a:stretch>
             <a:fillRect/>
           </a:stretch>
@@ -9395,6 +9565,7 @@
           <a:bodyPr lIns="0" tIns="0" rIns="0" bIns="0" anchor="ctr">
             <a:noAutofit/>
           </a:bodyPr>
+          <a:lstStyle/>
           <a:p>
             <a:r>
               <a:rPr lang="en-US" sz="1800" b="0" strike="noStrike" spc="-1">
@@ -9405,12 +9576,6 @@
               </a:rPr>
               <a:t>Click to edit the title text format</a:t>
             </a:r>
-            <a:endParaRPr lang="en-US" sz="1800" b="0" strike="noStrike" spc="-1">
-              <a:solidFill>
-                <a:srgbClr val="000000"/>
-              </a:solidFill>
-              <a:latin typeface="Arial" panose="020B0604020202020204"/>
-            </a:endParaRPr>
           </a:p>
         </p:txBody>
       </p:sp>
@@ -9437,6 +9602,7 @@
           <a:bodyPr lIns="0" tIns="0" rIns="0" bIns="0">
             <a:normAutofit/>
           </a:bodyPr>
+          <a:lstStyle/>
           <a:p>
             <a:pPr marL="431800" indent="-323850">
               <a:spcBef>
@@ -9458,12 +9624,6 @@
               </a:rPr>
               <a:t>Click to edit the outline text format</a:t>
             </a:r>
-            <a:endParaRPr lang="en-US" sz="1800" b="0" strike="noStrike" spc="-1">
-              <a:solidFill>
-                <a:srgbClr val="000000"/>
-              </a:solidFill>
-              <a:latin typeface="Arial" panose="020B0604020202020204"/>
-            </a:endParaRPr>
           </a:p>
           <a:p>
             <a:pPr marL="864235" lvl="1" indent="-323850">
@@ -9486,12 +9646,6 @@
               </a:rPr>
               <a:t>Second Outline Level</a:t>
             </a:r>
-            <a:endParaRPr lang="en-US" sz="1800" b="0" strike="noStrike" spc="-1">
-              <a:solidFill>
-                <a:srgbClr val="000000"/>
-              </a:solidFill>
-              <a:latin typeface="Arial" panose="020B0604020202020204"/>
-            </a:endParaRPr>
           </a:p>
           <a:p>
             <a:pPr marL="1296035" lvl="2" indent="-288290">
@@ -9514,12 +9668,6 @@
               </a:rPr>
               <a:t>Third Outline Level</a:t>
             </a:r>
-            <a:endParaRPr lang="en-US" sz="1800" b="0" strike="noStrike" spc="-1">
-              <a:solidFill>
-                <a:srgbClr val="000000"/>
-              </a:solidFill>
-              <a:latin typeface="Arial" panose="020B0604020202020204"/>
-            </a:endParaRPr>
           </a:p>
           <a:p>
             <a:pPr marL="1727835" lvl="3" indent="-215900">
@@ -9542,12 +9690,6 @@
               </a:rPr>
               <a:t>Fourth Outline Level</a:t>
             </a:r>
-            <a:endParaRPr lang="en-US" sz="1800" b="0" strike="noStrike" spc="-1">
-              <a:solidFill>
-                <a:srgbClr val="000000"/>
-              </a:solidFill>
-              <a:latin typeface="Arial" panose="020B0604020202020204"/>
-            </a:endParaRPr>
           </a:p>
           <a:p>
             <a:pPr marL="2160270" lvl="4" indent="-215900">
@@ -9570,12 +9712,6 @@
               </a:rPr>
               <a:t>Fifth Outline Level</a:t>
             </a:r>
-            <a:endParaRPr lang="en-US" sz="2000" b="0" strike="noStrike" spc="-1">
-              <a:solidFill>
-                <a:srgbClr val="000000"/>
-              </a:solidFill>
-              <a:latin typeface="Arial" panose="020B0604020202020204"/>
-            </a:endParaRPr>
           </a:p>
           <a:p>
             <a:pPr marL="2592070" lvl="5" indent="-215900">
@@ -9598,12 +9734,6 @@
               </a:rPr>
               <a:t>Sixth Outline Level</a:t>
             </a:r>
-            <a:endParaRPr lang="en-US" sz="2000" b="0" strike="noStrike" spc="-1">
-              <a:solidFill>
-                <a:srgbClr val="000000"/>
-              </a:solidFill>
-              <a:latin typeface="Arial" panose="020B0604020202020204"/>
-            </a:endParaRPr>
           </a:p>
           <a:p>
             <a:pPr marL="3023870" lvl="6" indent="-215900">
@@ -9626,12 +9756,6 @@
               </a:rPr>
               <a:t>Seventh Outline Level</a:t>
             </a:r>
-            <a:endParaRPr lang="en-US" sz="2000" b="0" strike="noStrike" spc="-1">
-              <a:solidFill>
-                <a:srgbClr val="000000"/>
-              </a:solidFill>
-              <a:latin typeface="Arial" panose="020B0604020202020204"/>
-            </a:endParaRPr>
           </a:p>
         </p:txBody>
       </p:sp>
@@ -9666,7 +9790,7 @@
     <p:bg>
       <p:bgPr>
         <a:blipFill rotWithShape="0">
-          <a:blip r:embed="rId13"/>
+          <a:blip r:embed="rId14"/>
           <a:stretch>
             <a:fillRect/>
           </a:stretch>
@@ -9711,6 +9835,7 @@
           <a:bodyPr lIns="0" tIns="0" rIns="0" bIns="0" anchor="ctr">
             <a:noAutofit/>
           </a:bodyPr>
+          <a:lstStyle/>
           <a:p>
             <a:r>
               <a:rPr lang="en-US" sz="1800" b="0" strike="noStrike" spc="-1">
@@ -9721,12 +9846,6 @@
               </a:rPr>
               <a:t>Click to edit the title text format</a:t>
             </a:r>
-            <a:endParaRPr lang="en-US" sz="1800" b="0" strike="noStrike" spc="-1">
-              <a:solidFill>
-                <a:srgbClr val="000000"/>
-              </a:solidFill>
-              <a:latin typeface="Arial" panose="020B0604020202020204"/>
-            </a:endParaRPr>
           </a:p>
         </p:txBody>
       </p:sp>
@@ -9753,6 +9872,7 @@
           <a:bodyPr lIns="0" tIns="0" rIns="0" bIns="0">
             <a:normAutofit/>
           </a:bodyPr>
+          <a:lstStyle/>
           <a:p>
             <a:pPr marL="431800" indent="-323850">
               <a:spcBef>
@@ -9774,12 +9894,6 @@
               </a:rPr>
               <a:t>Click to edit the outline text format</a:t>
             </a:r>
-            <a:endParaRPr lang="en-US" sz="1800" b="0" strike="noStrike" spc="-1">
-              <a:solidFill>
-                <a:srgbClr val="000000"/>
-              </a:solidFill>
-              <a:latin typeface="Arial" panose="020B0604020202020204"/>
-            </a:endParaRPr>
           </a:p>
           <a:p>
             <a:pPr marL="864235" lvl="1" indent="-323850">
@@ -9802,12 +9916,6 @@
               </a:rPr>
               <a:t>Second Outline Level</a:t>
             </a:r>
-            <a:endParaRPr lang="en-US" sz="1800" b="0" strike="noStrike" spc="-1">
-              <a:solidFill>
-                <a:srgbClr val="000000"/>
-              </a:solidFill>
-              <a:latin typeface="Arial" panose="020B0604020202020204"/>
-            </a:endParaRPr>
           </a:p>
           <a:p>
             <a:pPr marL="1296035" lvl="2" indent="-288290">
@@ -9830,12 +9938,6 @@
               </a:rPr>
               <a:t>Third Outline Level</a:t>
             </a:r>
-            <a:endParaRPr lang="en-US" sz="1800" b="0" strike="noStrike" spc="-1">
-              <a:solidFill>
-                <a:srgbClr val="000000"/>
-              </a:solidFill>
-              <a:latin typeface="Arial" panose="020B0604020202020204"/>
-            </a:endParaRPr>
           </a:p>
           <a:p>
             <a:pPr marL="1727835" lvl="3" indent="-215900">
@@ -9858,12 +9960,6 @@
               </a:rPr>
               <a:t>Fourth Outline Level</a:t>
             </a:r>
-            <a:endParaRPr lang="en-US" sz="1800" b="0" strike="noStrike" spc="-1">
-              <a:solidFill>
-                <a:srgbClr val="000000"/>
-              </a:solidFill>
-              <a:latin typeface="Arial" panose="020B0604020202020204"/>
-            </a:endParaRPr>
           </a:p>
           <a:p>
             <a:pPr marL="2160270" lvl="4" indent="-215900">
@@ -9886,12 +9982,6 @@
               </a:rPr>
               <a:t>Fifth Outline Level</a:t>
             </a:r>
-            <a:endParaRPr lang="en-US" sz="2000" b="0" strike="noStrike" spc="-1">
-              <a:solidFill>
-                <a:srgbClr val="000000"/>
-              </a:solidFill>
-              <a:latin typeface="Arial" panose="020B0604020202020204"/>
-            </a:endParaRPr>
           </a:p>
           <a:p>
             <a:pPr marL="2592070" lvl="5" indent="-215900">
@@ -9914,12 +10004,6 @@
               </a:rPr>
               <a:t>Sixth Outline Level</a:t>
             </a:r>
-            <a:endParaRPr lang="en-US" sz="2000" b="0" strike="noStrike" spc="-1">
-              <a:solidFill>
-                <a:srgbClr val="000000"/>
-              </a:solidFill>
-              <a:latin typeface="Arial" panose="020B0604020202020204"/>
-            </a:endParaRPr>
           </a:p>
           <a:p>
             <a:pPr marL="3023870" lvl="6" indent="-215900">
@@ -9942,12 +10026,6 @@
               </a:rPr>
               <a:t>Seventh Outline Level</a:t>
             </a:r>
-            <a:endParaRPr lang="en-US" sz="2000" b="0" strike="noStrike" spc="-1">
-              <a:solidFill>
-                <a:srgbClr val="000000"/>
-              </a:solidFill>
-              <a:latin typeface="Arial" panose="020B0604020202020204"/>
-            </a:endParaRPr>
           </a:p>
         </p:txBody>
       </p:sp>
@@ -9982,7 +10060,7 @@
     <p:bg>
       <p:bgPr>
         <a:blipFill rotWithShape="0">
-          <a:blip r:embed="rId13"/>
+          <a:blip r:embed="rId14"/>
           <a:stretch>
             <a:fillRect/>
           </a:stretch>
@@ -10027,6 +10105,7 @@
           <a:bodyPr lIns="0" tIns="0" rIns="0" bIns="0" anchor="ctr">
             <a:noAutofit/>
           </a:bodyPr>
+          <a:lstStyle/>
           <a:p>
             <a:r>
               <a:rPr lang="en-US" sz="1800" b="0" strike="noStrike" spc="-1">
@@ -10037,12 +10116,6 @@
               </a:rPr>
               <a:t>Click to edit the title text format</a:t>
             </a:r>
-            <a:endParaRPr lang="en-US" sz="1800" b="0" strike="noStrike" spc="-1">
-              <a:solidFill>
-                <a:srgbClr val="000000"/>
-              </a:solidFill>
-              <a:latin typeface="Arial" panose="020B0604020202020204"/>
-            </a:endParaRPr>
           </a:p>
         </p:txBody>
       </p:sp>
@@ -10069,6 +10142,7 @@
           <a:bodyPr lIns="0" tIns="0" rIns="0" bIns="0">
             <a:normAutofit/>
           </a:bodyPr>
+          <a:lstStyle/>
           <a:p>
             <a:pPr marL="431800" indent="-323850">
               <a:spcBef>
@@ -10090,12 +10164,6 @@
               </a:rPr>
               <a:t>Click to edit the outline text format</a:t>
             </a:r>
-            <a:endParaRPr lang="en-US" sz="1800" b="0" strike="noStrike" spc="-1">
-              <a:solidFill>
-                <a:srgbClr val="000000"/>
-              </a:solidFill>
-              <a:latin typeface="Arial" panose="020B0604020202020204"/>
-            </a:endParaRPr>
           </a:p>
           <a:p>
             <a:pPr marL="864235" lvl="1" indent="-323850">
@@ -10118,12 +10186,6 @@
               </a:rPr>
               <a:t>Second Outline Level</a:t>
             </a:r>
-            <a:endParaRPr lang="en-US" sz="1800" b="0" strike="noStrike" spc="-1">
-              <a:solidFill>
-                <a:srgbClr val="000000"/>
-              </a:solidFill>
-              <a:latin typeface="Arial" panose="020B0604020202020204"/>
-            </a:endParaRPr>
           </a:p>
           <a:p>
             <a:pPr marL="1296035" lvl="2" indent="-288290">
@@ -10146,12 +10208,6 @@
               </a:rPr>
               <a:t>Third Outline Level</a:t>
             </a:r>
-            <a:endParaRPr lang="en-US" sz="1800" b="0" strike="noStrike" spc="-1">
-              <a:solidFill>
-                <a:srgbClr val="000000"/>
-              </a:solidFill>
-              <a:latin typeface="Arial" panose="020B0604020202020204"/>
-            </a:endParaRPr>
           </a:p>
           <a:p>
             <a:pPr marL="1727835" lvl="3" indent="-215900">
@@ -10174,12 +10230,6 @@
               </a:rPr>
               <a:t>Fourth Outline Level</a:t>
             </a:r>
-            <a:endParaRPr lang="en-US" sz="1800" b="0" strike="noStrike" spc="-1">
-              <a:solidFill>
-                <a:srgbClr val="000000"/>
-              </a:solidFill>
-              <a:latin typeface="Arial" panose="020B0604020202020204"/>
-            </a:endParaRPr>
           </a:p>
           <a:p>
             <a:pPr marL="2160270" lvl="4" indent="-215900">
@@ -10202,12 +10252,6 @@
               </a:rPr>
               <a:t>Fifth Outline Level</a:t>
             </a:r>
-            <a:endParaRPr lang="en-US" sz="2000" b="0" strike="noStrike" spc="-1">
-              <a:solidFill>
-                <a:srgbClr val="000000"/>
-              </a:solidFill>
-              <a:latin typeface="Arial" panose="020B0604020202020204"/>
-            </a:endParaRPr>
           </a:p>
           <a:p>
             <a:pPr marL="2592070" lvl="5" indent="-215900">
@@ -10230,12 +10274,6 @@
               </a:rPr>
               <a:t>Sixth Outline Level</a:t>
             </a:r>
-            <a:endParaRPr lang="en-US" sz="2000" b="0" strike="noStrike" spc="-1">
-              <a:solidFill>
-                <a:srgbClr val="000000"/>
-              </a:solidFill>
-              <a:latin typeface="Arial" panose="020B0604020202020204"/>
-            </a:endParaRPr>
           </a:p>
           <a:p>
             <a:pPr marL="3023870" lvl="6" indent="-215900">
@@ -10258,12 +10296,6 @@
               </a:rPr>
               <a:t>Seventh Outline Level</a:t>
             </a:r>
-            <a:endParaRPr lang="en-US" sz="2000" b="0" strike="noStrike" spc="-1">
-              <a:solidFill>
-                <a:srgbClr val="000000"/>
-              </a:solidFill>
-              <a:latin typeface="Arial" panose="020B0604020202020204"/>
-            </a:endParaRPr>
           </a:p>
         </p:txBody>
       </p:sp>
@@ -10298,7 +10330,7 @@
     <p:bg>
       <p:bgPr>
         <a:blipFill rotWithShape="0">
-          <a:blip r:embed="rId13"/>
+          <a:blip r:embed="rId14"/>
           <a:stretch>
             <a:fillRect/>
           </a:stretch>
@@ -10343,6 +10375,7 @@
           <a:bodyPr lIns="0" tIns="0" rIns="0" bIns="0" anchor="ctr">
             <a:noAutofit/>
           </a:bodyPr>
+          <a:lstStyle/>
           <a:p>
             <a:r>
               <a:rPr lang="en-US" sz="1800" b="0" strike="noStrike" spc="-1">
@@ -10353,12 +10386,6 @@
               </a:rPr>
               <a:t>Click to edit the title text format</a:t>
             </a:r>
-            <a:endParaRPr lang="en-US" sz="1800" b="0" strike="noStrike" spc="-1">
-              <a:solidFill>
-                <a:srgbClr val="000000"/>
-              </a:solidFill>
-              <a:latin typeface="Arial" panose="020B0604020202020204"/>
-            </a:endParaRPr>
           </a:p>
         </p:txBody>
       </p:sp>
@@ -10385,6 +10412,7 @@
           <a:bodyPr lIns="0" tIns="0" rIns="0" bIns="0">
             <a:normAutofit/>
           </a:bodyPr>
+          <a:lstStyle/>
           <a:p>
             <a:pPr marL="431800" indent="-323850">
               <a:spcBef>
@@ -10406,12 +10434,6 @@
               </a:rPr>
               <a:t>Click to edit the outline text format</a:t>
             </a:r>
-            <a:endParaRPr lang="en-US" sz="1800" b="0" strike="noStrike" spc="-1">
-              <a:solidFill>
-                <a:srgbClr val="000000"/>
-              </a:solidFill>
-              <a:latin typeface="Arial" panose="020B0604020202020204"/>
-            </a:endParaRPr>
           </a:p>
           <a:p>
             <a:pPr marL="864235" lvl="1" indent="-323850">
@@ -10434,12 +10456,6 @@
               </a:rPr>
               <a:t>Second Outline Level</a:t>
             </a:r>
-            <a:endParaRPr lang="en-US" sz="1800" b="0" strike="noStrike" spc="-1">
-              <a:solidFill>
-                <a:srgbClr val="000000"/>
-              </a:solidFill>
-              <a:latin typeface="Arial" panose="020B0604020202020204"/>
-            </a:endParaRPr>
           </a:p>
           <a:p>
             <a:pPr marL="1296035" lvl="2" indent="-288290">
@@ -10462,12 +10478,6 @@
               </a:rPr>
               <a:t>Third Outline Level</a:t>
             </a:r>
-            <a:endParaRPr lang="en-US" sz="1800" b="0" strike="noStrike" spc="-1">
-              <a:solidFill>
-                <a:srgbClr val="000000"/>
-              </a:solidFill>
-              <a:latin typeface="Arial" panose="020B0604020202020204"/>
-            </a:endParaRPr>
           </a:p>
           <a:p>
             <a:pPr marL="1727835" lvl="3" indent="-215900">
@@ -10490,12 +10500,6 @@
               </a:rPr>
               <a:t>Fourth Outline Level</a:t>
             </a:r>
-            <a:endParaRPr lang="en-US" sz="1800" b="0" strike="noStrike" spc="-1">
-              <a:solidFill>
-                <a:srgbClr val="000000"/>
-              </a:solidFill>
-              <a:latin typeface="Arial" panose="020B0604020202020204"/>
-            </a:endParaRPr>
           </a:p>
           <a:p>
             <a:pPr marL="2160270" lvl="4" indent="-215900">
@@ -10518,12 +10522,6 @@
               </a:rPr>
               <a:t>Fifth Outline Level</a:t>
             </a:r>
-            <a:endParaRPr lang="en-US" sz="2000" b="0" strike="noStrike" spc="-1">
-              <a:solidFill>
-                <a:srgbClr val="000000"/>
-              </a:solidFill>
-              <a:latin typeface="Arial" panose="020B0604020202020204"/>
-            </a:endParaRPr>
           </a:p>
           <a:p>
             <a:pPr marL="2592070" lvl="5" indent="-215900">
@@ -10546,12 +10544,6 @@
               </a:rPr>
               <a:t>Sixth Outline Level</a:t>
             </a:r>
-            <a:endParaRPr lang="en-US" sz="2000" b="0" strike="noStrike" spc="-1">
-              <a:solidFill>
-                <a:srgbClr val="000000"/>
-              </a:solidFill>
-              <a:latin typeface="Arial" panose="020B0604020202020204"/>
-            </a:endParaRPr>
           </a:p>
           <a:p>
             <a:pPr marL="3023870" lvl="6" indent="-215900">
@@ -10574,12 +10566,6 @@
               </a:rPr>
               <a:t>Seventh Outline Level</a:t>
             </a:r>
-            <a:endParaRPr lang="en-US" sz="2000" b="0" strike="noStrike" spc="-1">
-              <a:solidFill>
-                <a:srgbClr val="000000"/>
-              </a:solidFill>
-              <a:latin typeface="Arial" panose="020B0604020202020204"/>
-            </a:endParaRPr>
           </a:p>
         </p:txBody>
       </p:sp>
@@ -10614,7 +10600,7 @@
     <p:bg>
       <p:bgPr>
         <a:blipFill rotWithShape="0">
-          <a:blip r:embed="rId13"/>
+          <a:blip r:embed="rId14"/>
           <a:stretch>
             <a:fillRect/>
           </a:stretch>
@@ -10659,6 +10645,7 @@
           <a:bodyPr lIns="0" tIns="0" rIns="0" bIns="0" anchor="ctr">
             <a:noAutofit/>
           </a:bodyPr>
+          <a:lstStyle/>
           <a:p>
             <a:r>
               <a:rPr lang="en-US" sz="1800" b="0" strike="noStrike" spc="-1">
@@ -10669,12 +10656,6 @@
               </a:rPr>
               <a:t>Click to edit the title text format</a:t>
             </a:r>
-            <a:endParaRPr lang="en-US" sz="1800" b="0" strike="noStrike" spc="-1">
-              <a:solidFill>
-                <a:srgbClr val="000000"/>
-              </a:solidFill>
-              <a:latin typeface="Arial" panose="020B0604020202020204"/>
-            </a:endParaRPr>
           </a:p>
         </p:txBody>
       </p:sp>
@@ -10701,6 +10682,7 @@
           <a:bodyPr lIns="0" tIns="0" rIns="0" bIns="0">
             <a:normAutofit/>
           </a:bodyPr>
+          <a:lstStyle/>
           <a:p>
             <a:pPr marL="431800" indent="-323850">
               <a:spcBef>
@@ -10722,12 +10704,6 @@
               </a:rPr>
               <a:t>Click to edit the outline text format</a:t>
             </a:r>
-            <a:endParaRPr lang="en-US" sz="1800" b="0" strike="noStrike" spc="-1">
-              <a:solidFill>
-                <a:srgbClr val="000000"/>
-              </a:solidFill>
-              <a:latin typeface="Arial" panose="020B0604020202020204"/>
-            </a:endParaRPr>
           </a:p>
           <a:p>
             <a:pPr marL="864235" lvl="1" indent="-323850">
@@ -10750,12 +10726,6 @@
               </a:rPr>
               <a:t>Second Outline Level</a:t>
             </a:r>
-            <a:endParaRPr lang="en-US" sz="1800" b="0" strike="noStrike" spc="-1">
-              <a:solidFill>
-                <a:srgbClr val="000000"/>
-              </a:solidFill>
-              <a:latin typeface="Arial" panose="020B0604020202020204"/>
-            </a:endParaRPr>
           </a:p>
           <a:p>
             <a:pPr marL="1296035" lvl="2" indent="-288290">
@@ -10778,12 +10748,6 @@
               </a:rPr>
               <a:t>Third Outline Level</a:t>
             </a:r>
-            <a:endParaRPr lang="en-US" sz="1800" b="0" strike="noStrike" spc="-1">
-              <a:solidFill>
-                <a:srgbClr val="000000"/>
-              </a:solidFill>
-              <a:latin typeface="Arial" panose="020B0604020202020204"/>
-            </a:endParaRPr>
           </a:p>
           <a:p>
             <a:pPr marL="1727835" lvl="3" indent="-215900">
@@ -10806,12 +10770,6 @@
               </a:rPr>
               <a:t>Fourth Outline Level</a:t>
             </a:r>
-            <a:endParaRPr lang="en-US" sz="1800" b="0" strike="noStrike" spc="-1">
-              <a:solidFill>
-                <a:srgbClr val="000000"/>
-              </a:solidFill>
-              <a:latin typeface="Arial" panose="020B0604020202020204"/>
-            </a:endParaRPr>
           </a:p>
           <a:p>
             <a:pPr marL="2160270" lvl="4" indent="-215900">
@@ -10834,12 +10792,6 @@
               </a:rPr>
               <a:t>Fifth Outline Level</a:t>
             </a:r>
-            <a:endParaRPr lang="en-US" sz="2000" b="0" strike="noStrike" spc="-1">
-              <a:solidFill>
-                <a:srgbClr val="000000"/>
-              </a:solidFill>
-              <a:latin typeface="Arial" panose="020B0604020202020204"/>
-            </a:endParaRPr>
           </a:p>
           <a:p>
             <a:pPr marL="2592070" lvl="5" indent="-215900">
@@ -10862,12 +10814,6 @@
               </a:rPr>
               <a:t>Sixth Outline Level</a:t>
             </a:r>
-            <a:endParaRPr lang="en-US" sz="2000" b="0" strike="noStrike" spc="-1">
-              <a:solidFill>
-                <a:srgbClr val="000000"/>
-              </a:solidFill>
-              <a:latin typeface="Arial" panose="020B0604020202020204"/>
-            </a:endParaRPr>
           </a:p>
           <a:p>
             <a:pPr marL="3023870" lvl="6" indent="-215900">
@@ -10890,12 +10836,6 @@
               </a:rPr>
               <a:t>Seventh Outline Level</a:t>
             </a:r>
-            <a:endParaRPr lang="en-US" sz="2000" b="0" strike="noStrike" spc="-1">
-              <a:solidFill>
-                <a:srgbClr val="000000"/>
-              </a:solidFill>
-              <a:latin typeface="Arial" panose="020B0604020202020204"/>
-            </a:endParaRPr>
           </a:p>
         </p:txBody>
       </p:sp>
@@ -10930,7 +10870,7 @@
     <p:bg>
       <p:bgPr>
         <a:blipFill rotWithShape="0">
-          <a:blip r:embed="rId1"/>
+          <a:blip r:embed="rId2"/>
           <a:stretch>
             <a:fillRect/>
           </a:stretch>
@@ -10987,6 +10927,7 @@
           <a:bodyPr lIns="90000" tIns="91440" rIns="90000" bIns="91440" anchor="b">
             <a:noAutofit/>
           </a:bodyPr>
+          <a:lstStyle/>
           <a:p>
             <a:pPr>
               <a:lnSpc>
@@ -11044,6 +10985,7 @@
           <a:bodyPr lIns="90000" tIns="91440" rIns="90000" bIns="91440">
             <a:noAutofit/>
           </a:bodyPr>
+          <a:lstStyle/>
           <a:p>
             <a:pPr>
               <a:lnSpc>
@@ -11089,7 +11031,7 @@
           <p:nvPr/>
         </p:nvPicPr>
         <p:blipFill>
-          <a:blip r:embed="rId2"/>
+          <a:blip r:embed="rId3"/>
           <a:srcRect l="6663" t="4856" r="6220" b="5494"/>
           <a:stretch>
             <a:fillRect/>
@@ -11143,6 +11085,7 @@
           <a:bodyPr lIns="90000" tIns="91440" rIns="90000" bIns="91440">
             <a:noAutofit/>
           </a:bodyPr>
+          <a:lstStyle/>
           <a:p>
             <a:pPr>
               <a:lnSpc>
@@ -11201,7 +11144,14 @@
         <p:cNvGrpSpPr/>
         <p:nvPr/>
       </p:nvGrpSpPr>
-      <p:grpSpPr/>
+      <p:grpSpPr>
+        <a:xfrm>
+          <a:off x="0" y="0"/>
+          <a:ext cx="0" cy="0"/>
+          <a:chOff x="0" y="0"/>
+          <a:chExt cx="0" cy="0"/>
+        </a:xfrm>
+      </p:grpSpPr>
       <p:sp>
         <p:nvSpPr>
           <p:cNvPr id="2" name="Title 1"/>
@@ -11215,6 +11165,7 @@
         <p:spPr/>
         <p:txBody>
           <a:bodyPr/>
+          <a:lstStyle/>
           <a:p>
             <a:r>
               <a:rPr lang="en-US">
@@ -11224,6 +11175,14 @@
                 <a:sym typeface="+mn-ea"/>
               </a:rPr>
               <a:t>Similar System</a:t>
+            </a:r>
+            <a:r>
+              <a:rPr lang="en-US">
+                <a:solidFill>
+                  <a:schemeClr val="bg1"/>
+                </a:solidFill>
+              </a:rPr>
+              <a:t/>
             </a:r>
             <a:br>
               <a:rPr lang="en-US">
@@ -11275,6 +11234,7 @@
           <a:bodyPr lIns="234000" tIns="234000" rIns="234000" bIns="91440">
             <a:noAutofit/>
           </a:bodyPr>
+          <a:lstStyle/>
           <a:p>
             <a:pPr>
               <a:lnSpc>
@@ -11410,6 +11370,7 @@
           <a:bodyPr lIns="90000" tIns="45000" rIns="90000" bIns="45000">
             <a:spAutoFit/>
           </a:bodyPr>
+          <a:lstStyle/>
           <a:p>
             <a:pPr>
               <a:lnSpc>
@@ -11425,12 +11386,6 @@
               </a:rPr>
               <a:t>7</a:t>
             </a:r>
-            <a:endParaRPr lang="en-US" sz="1800" b="0" strike="noStrike" spc="-1">
-              <a:solidFill>
-                <a:schemeClr val="bg1"/>
-              </a:solidFill>
-              <a:latin typeface="Arial" panose="020B0604020202020204"/>
-            </a:endParaRPr>
           </a:p>
         </p:txBody>
       </p:sp>
@@ -11494,6 +11449,7 @@
           <a:bodyPr lIns="90000" tIns="91440" rIns="90000" bIns="91440" anchor="ctr">
             <a:noAutofit/>
           </a:bodyPr>
+          <a:lstStyle/>
           <a:p>
             <a:pPr>
               <a:lnSpc>
@@ -11513,13 +11469,6 @@
               </a:rPr>
               <a:t>System overview</a:t>
             </a:r>
-            <a:endParaRPr lang="en-US" sz="2000" b="1" strike="noStrike" spc="-1">
-              <a:solidFill>
-                <a:srgbClr val="F3F3F3"/>
-              </a:solidFill>
-              <a:ea typeface="Fira Sans Condensed Light"/>
-              <a:cs typeface="+mn-lt"/>
-            </a:endParaRPr>
           </a:p>
         </p:txBody>
       </p:sp>
@@ -11558,6 +11507,7 @@
           <a:bodyPr wrap="none" lIns="90000" tIns="45000" rIns="90000" bIns="45000">
             <a:spAutoFit/>
           </a:bodyPr>
+          <a:lstStyle/>
           <a:p>
             <a:pPr>
               <a:lnSpc>
@@ -11573,12 +11523,6 @@
               </a:rPr>
               <a:t>8</a:t>
             </a:r>
-            <a:endParaRPr lang="en-US" sz="1800" b="0" strike="noStrike" spc="-1">
-              <a:solidFill>
-                <a:schemeClr val="bg1"/>
-              </a:solidFill>
-              <a:latin typeface="Arial" panose="020B0604020202020204"/>
-            </a:endParaRPr>
           </a:p>
         </p:txBody>
       </p:sp>
@@ -11589,7 +11533,7 @@
           <p:nvPr/>
         </p:nvPicPr>
         <p:blipFill>
-          <a:blip r:embed="rId1"/>
+          <a:blip r:embed="rId2"/>
           <a:stretch>
             <a:fillRect/>
           </a:stretch>
@@ -11627,7 +11571,14 @@
         <p:cNvGrpSpPr/>
         <p:nvPr/>
       </p:nvGrpSpPr>
-      <p:grpSpPr/>
+      <p:grpSpPr>
+        <a:xfrm>
+          <a:off x="0" y="0"/>
+          <a:ext cx="0" cy="0"/>
+          <a:chOff x="0" y="0"/>
+          <a:chExt cx="0" cy="0"/>
+        </a:xfrm>
+      </p:grpSpPr>
       <p:sp>
         <p:nvSpPr>
           <p:cNvPr id="2" name="Title 1"/>
@@ -11641,6 +11592,7 @@
         <p:spPr/>
         <p:txBody>
           <a:bodyPr/>
+          <a:lstStyle/>
           <a:p>
             <a:r>
               <a:rPr lang="en-US">
@@ -11650,11 +11602,6 @@
               </a:rPr>
               <a:t>Deliverables</a:t>
             </a:r>
-            <a:endParaRPr lang="en-US">
-              <a:solidFill>
-                <a:schemeClr val="bg1"/>
-              </a:solidFill>
-            </a:endParaRPr>
           </a:p>
         </p:txBody>
       </p:sp>
@@ -11697,6 +11644,7 @@
           <a:bodyPr lIns="234000" tIns="234000" rIns="234000" bIns="91440">
             <a:noAutofit/>
           </a:bodyPr>
+          <a:lstStyle/>
           <a:p>
             <a:pPr marL="285750" indent="-285750">
               <a:buFont typeface="Arial" panose="020B0604020202020204" pitchFamily="34" charset="0"/>
@@ -11877,6 +11825,7 @@
           <a:bodyPr lIns="90000" tIns="45000" rIns="90000" bIns="45000">
             <a:spAutoFit/>
           </a:bodyPr>
+          <a:lstStyle/>
           <a:p>
             <a:pPr>
               <a:lnSpc>
@@ -11892,12 +11841,6 @@
               </a:rPr>
               <a:t>9</a:t>
             </a:r>
-            <a:endParaRPr lang="en-US" sz="1800" b="0" strike="noStrike" spc="-1">
-              <a:solidFill>
-                <a:schemeClr val="bg1"/>
-              </a:solidFill>
-              <a:latin typeface="Arial" panose="020B0604020202020204"/>
-            </a:endParaRPr>
           </a:p>
         </p:txBody>
       </p:sp>
@@ -11915,7 +11858,7 @@
     <p:bg>
       <p:bgPr>
         <a:blipFill rotWithShape="0">
-          <a:blip r:embed="rId1"/>
+          <a:blip r:embed="rId2"/>
           <a:stretch>
             <a:fillRect/>
           </a:stretch>
@@ -11972,6 +11915,7 @@
           <a:bodyPr lIns="90000" tIns="91440" rIns="90000" bIns="91440">
             <a:noAutofit/>
           </a:bodyPr>
+          <a:lstStyle/>
           <a:p>
             <a:pPr>
               <a:lnSpc>
@@ -11992,14 +11936,6 @@
               </a:rPr>
               <a:t>TIME PLAN</a:t>
             </a:r>
-            <a:endParaRPr lang="en-GB" sz="2200" b="1" strike="noStrike" spc="-1">
-              <a:solidFill>
-                <a:srgbClr val="FFFFFF"/>
-              </a:solidFill>
-              <a:latin typeface="Arial" panose="020B0604020202020204" pitchFamily="34" charset="0"/>
-              <a:ea typeface="Rajdhani"/>
-              <a:cs typeface="Arial" panose="020B0604020202020204" pitchFamily="34" charset="0"/>
-            </a:endParaRPr>
           </a:p>
         </p:txBody>
       </p:sp>
@@ -12089,6 +12025,7 @@
           <a:bodyPr lIns="90000" tIns="91440" rIns="90000" bIns="91440" anchor="ctr">
             <a:noAutofit/>
           </a:bodyPr>
+          <a:lstStyle/>
           <a:p>
             <a:pPr algn="r">
               <a:lnSpc>
@@ -12106,14 +12043,6 @@
               </a:rPr>
               <a:t>Whole genome processing from the sources we gathered</a:t>
             </a:r>
-            <a:endParaRPr lang="en-US" sz="1400" b="0" strike="noStrike" spc="-1">
-              <a:solidFill>
-                <a:srgbClr val="FFFFFF"/>
-              </a:solidFill>
-              <a:latin typeface="Arial" panose="020B0604020202020204" pitchFamily="34" charset="0"/>
-              <a:ea typeface="Fira Sans Condensed Light"/>
-              <a:cs typeface="Arial" panose="020B0604020202020204" pitchFamily="34" charset="0"/>
-            </a:endParaRPr>
           </a:p>
         </p:txBody>
       </p:sp>
@@ -12152,6 +12081,7 @@
           <a:bodyPr lIns="90000" tIns="91440" rIns="90000" bIns="91440" anchor="ctr">
             <a:noAutofit/>
           </a:bodyPr>
+          <a:lstStyle/>
           <a:p>
             <a:pPr algn="ctr">
               <a:lnSpc>
@@ -12233,6 +12163,7 @@
           <a:bodyPr lIns="90000" tIns="91440" rIns="90000" bIns="91440">
             <a:noAutofit/>
           </a:bodyPr>
+          <a:lstStyle/>
           <a:p>
             <a:pPr>
               <a:lnSpc>
@@ -12250,14 +12181,6 @@
               </a:rPr>
               <a:t>Potentially add Whole genome in our system based on the information we gathered</a:t>
             </a:r>
-            <a:endParaRPr lang="en-US" sz="1400" b="0" strike="noStrike" spc="-1">
-              <a:solidFill>
-                <a:srgbClr val="FFFFFF"/>
-              </a:solidFill>
-              <a:latin typeface="Arial" panose="020B0604020202020204" pitchFamily="34" charset="0"/>
-              <a:ea typeface="Fira Sans Condensed Light"/>
-              <a:cs typeface="Arial" panose="020B0604020202020204" pitchFamily="34" charset="0"/>
-            </a:endParaRPr>
           </a:p>
         </p:txBody>
       </p:sp>
@@ -12296,6 +12219,7 @@
           <a:bodyPr lIns="90000" tIns="91440" rIns="90000" bIns="91440" anchor="ctr">
             <a:noAutofit/>
           </a:bodyPr>
+          <a:lstStyle/>
           <a:p>
             <a:pPr>
               <a:lnSpc>
@@ -12316,14 +12240,6 @@
               </a:rPr>
               <a:t>Implement at least 60 % of the GUI application and mobile application</a:t>
             </a:r>
-            <a:endParaRPr lang="en-US" sz="1400" b="0" strike="noStrike" spc="-1">
-              <a:solidFill>
-                <a:srgbClr val="FFFFFF"/>
-              </a:solidFill>
-              <a:latin typeface="Arial" panose="020B0604020202020204" pitchFamily="34" charset="0"/>
-              <a:ea typeface="Fira Sans Condensed Light"/>
-              <a:cs typeface="Arial" panose="020B0604020202020204" pitchFamily="34" charset="0"/>
-            </a:endParaRPr>
           </a:p>
         </p:txBody>
       </p:sp>
@@ -12362,6 +12278,7 @@
           <a:bodyPr lIns="90000" tIns="91440" rIns="90000" bIns="91440" anchor="ctr">
             <a:noAutofit/>
           </a:bodyPr>
+          <a:lstStyle/>
           <a:p>
             <a:pPr>
               <a:lnSpc>
@@ -12379,14 +12296,6 @@
               </a:rPr>
               <a:t>Prove that if is at least a relevance or kinship degree </a:t>
             </a:r>
-            <a:endParaRPr lang="en-US" sz="1400" b="0" strike="noStrike" spc="-1">
-              <a:solidFill>
-                <a:srgbClr val="FFFFFF"/>
-              </a:solidFill>
-              <a:latin typeface="Arial" panose="020B0604020202020204" pitchFamily="34" charset="0"/>
-              <a:ea typeface="Fira Sans Condensed Light"/>
-              <a:cs typeface="Arial" panose="020B0604020202020204" pitchFamily="34" charset="0"/>
-            </a:endParaRPr>
           </a:p>
         </p:txBody>
       </p:sp>
@@ -12425,6 +12334,7 @@
           <a:bodyPr lIns="90000" tIns="91440" rIns="90000" bIns="91440" anchor="ctr">
             <a:noAutofit/>
           </a:bodyPr>
+          <a:lstStyle/>
           <a:p>
             <a:pPr algn="ctr">
               <a:lnSpc>
@@ -12495,6 +12405,7 @@
           <a:bodyPr lIns="90000" tIns="91440" rIns="90000" bIns="91440" anchor="ctr">
             <a:noAutofit/>
           </a:bodyPr>
+          <a:lstStyle/>
           <a:p>
             <a:pPr algn="ctr">
               <a:lnSpc>
@@ -12568,6 +12479,7 @@
           <a:bodyPr lIns="90000" tIns="91440" rIns="90000" bIns="91440" anchor="ctr">
             <a:noAutofit/>
           </a:bodyPr>
+          <a:lstStyle/>
           <a:p>
             <a:pPr algn="ctr">
               <a:lnSpc>
@@ -12585,14 +12497,6 @@
               </a:rPr>
               <a:t>Start by the end of February</a:t>
             </a:r>
-            <a:endParaRPr lang="en-US" sz="1800" b="1" strike="noStrike" spc="-1">
-              <a:solidFill>
-                <a:srgbClr val="FFFFFF"/>
-              </a:solidFill>
-              <a:latin typeface="Arial" panose="020B0604020202020204" pitchFamily="34" charset="0"/>
-              <a:ea typeface="Rajdhani"/>
-              <a:cs typeface="Arial" panose="020B0604020202020204" pitchFamily="34" charset="0"/>
-            </a:endParaRPr>
           </a:p>
         </p:txBody>
       </p:sp>
@@ -12827,6 +12731,7 @@
           <a:bodyPr lIns="90000" tIns="91440" rIns="90000" bIns="91440" anchor="ctr">
             <a:noAutofit/>
           </a:bodyPr>
+          <a:lstStyle/>
           <a:p>
             <a:pPr algn="ctr">
               <a:lnSpc>
@@ -12844,14 +12749,6 @@
               </a:rPr>
               <a:t>13/1/2022</a:t>
             </a:r>
-            <a:endParaRPr lang="en-US" sz="1600" b="1" strike="noStrike" spc="-1">
-              <a:solidFill>
-                <a:srgbClr val="FFFFFF"/>
-              </a:solidFill>
-              <a:latin typeface="Arial" panose="020B0604020202020204" pitchFamily="34" charset="0"/>
-              <a:ea typeface="Rajdhani"/>
-              <a:cs typeface="Arial" panose="020B0604020202020204" pitchFamily="34" charset="0"/>
-            </a:endParaRPr>
           </a:p>
         </p:txBody>
       </p:sp>
@@ -12890,6 +12787,7 @@
           <a:bodyPr lIns="90000" tIns="91440" rIns="90000" bIns="91440" anchor="ctr">
             <a:noAutofit/>
           </a:bodyPr>
+          <a:lstStyle/>
           <a:p>
             <a:pPr>
               <a:lnSpc>
@@ -12907,14 +12805,6 @@
               </a:rPr>
               <a:t>Enhance everything we implemented so far</a:t>
             </a:r>
-            <a:endParaRPr lang="en-US" sz="1400" b="0" strike="noStrike" spc="-1">
-              <a:solidFill>
-                <a:srgbClr val="FFFFFF"/>
-              </a:solidFill>
-              <a:latin typeface="Arial" panose="020B0604020202020204" pitchFamily="34" charset="0"/>
-              <a:ea typeface="Fira Sans Condensed Light"/>
-              <a:cs typeface="Arial" panose="020B0604020202020204" pitchFamily="34" charset="0"/>
-            </a:endParaRPr>
           </a:p>
         </p:txBody>
       </p:sp>
@@ -13002,6 +12892,7 @@
           <a:bodyPr lIns="90000" tIns="45000" rIns="90000" bIns="45000">
             <a:spAutoFit/>
           </a:bodyPr>
+          <a:lstStyle/>
           <a:p>
             <a:pPr>
               <a:lnSpc>
@@ -13019,14 +12910,6 @@
               </a:rPr>
               <a:t>10</a:t>
             </a:r>
-            <a:endParaRPr lang="en-US" sz="1800" b="0" strike="noStrike" spc="-1">
-              <a:solidFill>
-                <a:srgbClr val="FFFFFF"/>
-              </a:solidFill>
-              <a:latin typeface="Arial" panose="020B0604020202020204" pitchFamily="34" charset="0"/>
-              <a:ea typeface="DejaVu Sans"/>
-              <a:cs typeface="Arial" panose="020B0604020202020204" pitchFamily="34" charset="0"/>
-            </a:endParaRPr>
           </a:p>
         </p:txBody>
       </p:sp>
@@ -13093,6 +12976,7 @@
           <a:bodyPr lIns="0" tIns="0" rIns="0" bIns="0" anchor="ctr">
             <a:noAutofit/>
           </a:bodyPr>
+          <a:lstStyle/>
           <a:p>
             <a:pPr>
               <a:lnSpc>
@@ -13170,6 +13054,7 @@
           <a:bodyPr lIns="234000" tIns="234000" rIns="234000" bIns="91440">
             <a:noAutofit/>
           </a:bodyPr>
+          <a:lstStyle/>
           <a:p>
             <a:pPr marL="153035">
               <a:lnSpc>
@@ -13187,14 +13072,6 @@
               </a:rPr>
               <a:t>In the whole genome the process to determine paternity is somewhat different There are specific locations (IDs) or the right terminology (locus, loci) in the whole genome every location and is in a specific chromosome For each of these locations, there exists a specific repeat that we are looking for ex: D7S280 --&gt; GATA counting the number of those repeats for each location is the goal and then comparing it with the number of repeats in the mother and father</a:t>
             </a:r>
-            <a:endParaRPr lang="en-US" sz="1200" b="0" strike="noStrike" spc="-1">
-              <a:solidFill>
-                <a:srgbClr val="DCDDDE"/>
-              </a:solidFill>
-              <a:latin typeface="Arial" panose="020B0604020202020204" pitchFamily="34" charset="0"/>
-              <a:ea typeface="DejaVu Sans"/>
-              <a:cs typeface="Arial" panose="020B0604020202020204" pitchFamily="34" charset="0"/>
-            </a:endParaRPr>
           </a:p>
         </p:txBody>
       </p:sp>
@@ -13205,7 +13082,7 @@
           <p:nvPr/>
         </p:nvPicPr>
         <p:blipFill>
-          <a:blip r:embed="rId1"/>
+          <a:blip r:embed="rId2"/>
           <a:stretch>
             <a:fillRect/>
           </a:stretch>
@@ -13258,6 +13135,7 @@
           <a:bodyPr lIns="90000" tIns="45000" rIns="90000" bIns="45000">
             <a:spAutoFit/>
           </a:bodyPr>
+          <a:lstStyle/>
           <a:p>
             <a:pPr>
               <a:lnSpc>
@@ -13343,6 +13221,7 @@
           <a:bodyPr lIns="90000" tIns="91440" rIns="90000" bIns="91440" anchor="ctr">
             <a:noAutofit/>
           </a:bodyPr>
+          <a:lstStyle/>
           <a:p>
             <a:pPr>
               <a:lnSpc>
@@ -13403,6 +13282,7 @@
           <a:bodyPr lIns="90000" tIns="45000" rIns="90000" bIns="45000">
             <a:spAutoFit/>
           </a:bodyPr>
+          <a:lstStyle/>
           <a:p>
             <a:pPr>
               <a:lnSpc>
@@ -13488,6 +13368,7 @@
           <a:bodyPr lIns="90000" tIns="91440" rIns="90000" bIns="91440" anchor="b">
             <a:noAutofit/>
           </a:bodyPr>
+          <a:lstStyle/>
           <a:p>
             <a:pPr algn="ctr">
               <a:lnSpc>
@@ -13545,6 +13426,7 @@
           <a:bodyPr lIns="90000" tIns="91440" rIns="90000" bIns="91440">
             <a:noAutofit/>
           </a:bodyPr>
+          <a:lstStyle/>
           <a:p>
             <a:pPr algn="ctr">
               <a:lnSpc>
@@ -13610,7 +13492,7 @@
     <p:bg>
       <p:bgPr>
         <a:blipFill rotWithShape="0">
-          <a:blip r:embed="rId1"/>
+          <a:blip r:embed="rId2"/>
           <a:stretch>
             <a:fillRect/>
           </a:stretch>
@@ -13667,6 +13549,7 @@
           <a:bodyPr lIns="90000" tIns="91440" rIns="90000" bIns="91440">
             <a:noAutofit/>
           </a:bodyPr>
+          <a:lstStyle/>
           <a:p>
             <a:pPr algn="ctr">
               <a:lnSpc>
@@ -13731,6 +13614,7 @@
           <a:bodyPr lIns="234000" tIns="234000" rIns="234000" bIns="91440">
             <a:noAutofit/>
           </a:bodyPr>
+          <a:lstStyle/>
           <a:p>
             <a:pPr marL="285750" indent="-285750">
               <a:lnSpc>
@@ -13743,7 +13627,7 @@
               <a:buChar char="•"/>
             </a:pPr>
             <a:r>
-              <a:rPr lang="en-US" sz="1400" b="0" strike="noStrike" spc="-1">
+              <a:rPr lang="en-US" sz="1400" b="0" strike="noStrike" spc="-1" dirty="0">
                 <a:solidFill>
                   <a:srgbClr val="FFFFFF"/>
                 </a:solidFill>
@@ -13752,13 +13636,6 @@
               </a:rPr>
               <a:t>Introduction</a:t>
             </a:r>
-            <a:endParaRPr lang="en-US" sz="1400" b="0" strike="noStrike" spc="-1">
-              <a:solidFill>
-                <a:srgbClr val="FFFFFF"/>
-              </a:solidFill>
-              <a:latin typeface="Arial" panose="020B0604020202020204"/>
-              <a:ea typeface="DejaVu Sans"/>
-            </a:endParaRPr>
           </a:p>
           <a:p>
             <a:pPr marL="285750" indent="-285750">
@@ -13772,7 +13649,7 @@
               <a:buChar char="•"/>
             </a:pPr>
             <a:r>
-              <a:rPr lang="en-US" sz="1400" b="0" strike="noStrike" spc="-1">
+              <a:rPr lang="en-US" sz="1400" b="0" strike="noStrike" spc="-1" dirty="0">
                 <a:solidFill>
                   <a:srgbClr val="FFFFFF"/>
                 </a:solidFill>
@@ -13781,7 +13658,7 @@
               </a:rPr>
               <a:t>Motivation</a:t>
             </a:r>
-            <a:endParaRPr lang="en-US" sz="1400" b="0" strike="noStrike" spc="-1">
+            <a:endParaRPr lang="en-US" sz="1400" b="0" strike="noStrike" spc="-1" dirty="0">
               <a:latin typeface="Arial" panose="020B0604020202020204"/>
             </a:endParaRPr>
           </a:p>
@@ -13797,7 +13674,7 @@
               <a:buChar char="•"/>
             </a:pPr>
             <a:r>
-              <a:rPr lang="en-US" sz="1400" b="0" strike="noStrike" spc="-1">
+              <a:rPr lang="en-US" sz="1400" b="0" strike="noStrike" spc="-1" dirty="0">
                 <a:solidFill>
                   <a:srgbClr val="FFFFFF"/>
                 </a:solidFill>
@@ -13806,13 +13683,6 @@
               </a:rPr>
               <a:t>Problem Statement</a:t>
             </a:r>
-            <a:endParaRPr lang="en-US" sz="1400" b="0" strike="noStrike" spc="-1">
-              <a:solidFill>
-                <a:srgbClr val="FFFFFF"/>
-              </a:solidFill>
-              <a:latin typeface="Arial" panose="020B0604020202020204"/>
-              <a:ea typeface="DejaVu Sans"/>
-            </a:endParaRPr>
           </a:p>
           <a:p>
             <a:pPr marL="285750" indent="-285750">
@@ -13826,7 +13696,7 @@
               <a:buChar char="•"/>
             </a:pPr>
             <a:r>
-              <a:rPr lang="en-US" sz="1400" b="0" strike="noStrike" spc="-1">
+              <a:rPr lang="en-US" sz="1400" b="0" strike="noStrike" spc="-1" dirty="0">
                 <a:solidFill>
                   <a:schemeClr val="bg1"/>
                 </a:solidFill>
@@ -13834,12 +13704,6 @@
               </a:rPr>
               <a:t>Similar system</a:t>
             </a:r>
-            <a:endParaRPr lang="en-US" sz="1400" b="0" strike="noStrike" spc="-1">
-              <a:solidFill>
-                <a:schemeClr val="bg1"/>
-              </a:solidFill>
-              <a:latin typeface="Arial" panose="020B0604020202020204"/>
-            </a:endParaRPr>
           </a:p>
           <a:p>
             <a:pPr marL="285750" indent="-285750">
@@ -13853,7 +13717,7 @@
               <a:buChar char="•"/>
             </a:pPr>
             <a:r>
-              <a:rPr lang="en-US" sz="1400" b="0" strike="noStrike" spc="-1">
+              <a:rPr lang="en-US" sz="1400" b="0" strike="noStrike" spc="-1" dirty="0">
                 <a:solidFill>
                   <a:srgbClr val="FFFFFF"/>
                 </a:solidFill>
@@ -13862,13 +13726,6 @@
               </a:rPr>
               <a:t>System Overview</a:t>
             </a:r>
-            <a:endParaRPr lang="en-US" sz="1400" b="0" strike="noStrike" spc="-1">
-              <a:solidFill>
-                <a:srgbClr val="FFFFFF"/>
-              </a:solidFill>
-              <a:latin typeface="Arial" panose="020B0604020202020204"/>
-              <a:ea typeface="DejaVu Sans"/>
-            </a:endParaRPr>
           </a:p>
           <a:p>
             <a:pPr marL="285750" indent="-285750">
@@ -13882,7 +13739,7 @@
               <a:buChar char="•"/>
             </a:pPr>
             <a:r>
-              <a:rPr lang="en-US" sz="1400" b="0" strike="noStrike" spc="-1">
+              <a:rPr lang="en-US" sz="1400" b="0" strike="noStrike" spc="-1" dirty="0" err="1" smtClean="0">
                 <a:solidFill>
                   <a:srgbClr val="FFFFFF"/>
                 </a:solidFill>
@@ -13891,7 +13748,7 @@
               </a:rPr>
               <a:t>Derivables</a:t>
             </a:r>
-            <a:endParaRPr lang="en-US" sz="1400" b="0" strike="noStrike" spc="-1">
+            <a:endParaRPr lang="en-US" sz="1400" b="0" strike="noStrike" spc="-1" dirty="0">
               <a:solidFill>
                 <a:srgbClr val="FFFFFF"/>
               </a:solidFill>
@@ -13911,7 +13768,7 @@
               <a:buChar char="•"/>
             </a:pPr>
             <a:r>
-              <a:rPr lang="en-US" sz="1400" b="0" strike="noStrike" spc="-1">
+              <a:rPr lang="en-US" sz="1400" b="0" strike="noStrike" spc="-1" dirty="0">
                 <a:solidFill>
                   <a:schemeClr val="bg1"/>
                 </a:solidFill>
@@ -13919,12 +13776,6 @@
               </a:rPr>
               <a:t>Time Plan</a:t>
             </a:r>
-            <a:endParaRPr lang="en-US" sz="1400" b="0" strike="noStrike" spc="-1">
-              <a:solidFill>
-                <a:schemeClr val="bg1"/>
-              </a:solidFill>
-              <a:latin typeface="Arial" panose="020B0604020202020204"/>
-            </a:endParaRPr>
           </a:p>
           <a:p>
             <a:pPr marL="285750" indent="-285750">
@@ -13938,7 +13789,7 @@
               <a:buChar char="•"/>
             </a:pPr>
             <a:r>
-              <a:rPr lang="en-US" sz="1400" b="0" strike="noStrike" spc="-1">
+              <a:rPr lang="en-US" sz="1400" b="0" strike="noStrike" spc="-1" dirty="0">
                 <a:solidFill>
                   <a:srgbClr val="FFFFFF"/>
                 </a:solidFill>
@@ -13947,7 +13798,7 @@
               </a:rPr>
               <a:t>Supportive document (Dataset)</a:t>
             </a:r>
-            <a:endParaRPr lang="en-US" sz="1400" b="0" strike="noStrike" spc="-1">
+            <a:endParaRPr lang="en-US" sz="1400" b="0" strike="noStrike" spc="-1" dirty="0">
               <a:latin typeface="Arial" panose="020B0604020202020204"/>
             </a:endParaRPr>
           </a:p>
@@ -13963,7 +13814,7 @@
               <a:buChar char="•"/>
             </a:pPr>
             <a:r>
-              <a:rPr lang="en-US" sz="1400" b="0" strike="noStrike" spc="-1">
+              <a:rPr lang="en-US" sz="1400" b="0" strike="noStrike" spc="-1" dirty="0">
                 <a:solidFill>
                   <a:srgbClr val="FFFFFF"/>
                 </a:solidFill>
@@ -13972,7 +13823,7 @@
               </a:rPr>
               <a:t>Live Demo`</a:t>
             </a:r>
-            <a:endParaRPr lang="en-US" sz="1400" b="0" strike="noStrike" spc="-1">
+            <a:endParaRPr lang="en-US" sz="1400" b="0" strike="noStrike" spc="-1" dirty="0">
               <a:latin typeface="Arial" panose="020B0604020202020204"/>
             </a:endParaRPr>
           </a:p>
@@ -13995,7 +13846,7 @@
     <p:bg>
       <p:bgPr>
         <a:blipFill rotWithShape="0">
-          <a:blip r:embed="rId1"/>
+          <a:blip r:embed="rId2"/>
           <a:stretch>
             <a:fillRect/>
           </a:stretch>
@@ -14052,6 +13903,7 @@
           <a:bodyPr lIns="90000" tIns="91440" rIns="90000" bIns="91440" anchor="ctr">
             <a:noAutofit/>
           </a:bodyPr>
+          <a:lstStyle/>
           <a:p>
             <a:pPr>
               <a:lnSpc>
@@ -14094,7 +13946,7 @@
           <p:nvPr/>
         </p:nvPicPr>
         <p:blipFill>
-          <a:blip r:embed="rId2"/>
+          <a:blip r:embed="rId3"/>
           <a:stretch>
             <a:fillRect/>
           </a:stretch>
@@ -14122,7 +13974,7 @@
           <p:nvPr/>
         </p:nvPicPr>
         <p:blipFill>
-          <a:blip r:embed="rId3"/>
+          <a:blip r:embed="rId4"/>
           <a:stretch>
             <a:fillRect/>
           </a:stretch>
@@ -14182,12 +14034,16 @@
           <a:bodyPr lIns="234000" tIns="234000" rIns="234000" bIns="91440">
             <a:noAutofit/>
           </a:bodyPr>
+          <a:lstStyle/>
           <a:p>
             <a:pPr>
               <a:lnSpc>
                 <a:spcPct val="100000"/>
               </a:lnSpc>
             </a:pPr>
+            <a:r>
+              <a:t/>
+            </a:r>
             <a:br/>
             <a:r>
               <a:rPr lang="en-US" sz="1400" b="0" strike="noStrike" spc="-1">
@@ -14330,6 +14186,7 @@
           <a:bodyPr lIns="90000" tIns="45000" rIns="90000" bIns="45000">
             <a:spAutoFit/>
           </a:bodyPr>
+          <a:lstStyle/>
           <a:p>
             <a:pPr>
               <a:lnSpc>
@@ -14415,6 +14272,7 @@
           <a:bodyPr lIns="90000" tIns="91440" rIns="90000" bIns="91440" anchor="ctr">
             <a:noAutofit/>
           </a:bodyPr>
+          <a:lstStyle/>
           <a:p>
             <a:pPr>
               <a:lnSpc>
@@ -14455,19 +14313,54 @@
             <a:tbl>
               <a:tblPr/>
               <a:tblGrid>
-                <a:gridCol w="1257120"/>
-                <a:gridCol w="1257120"/>
-                <a:gridCol w="1257120"/>
-                <a:gridCol w="1257120"/>
-                <a:gridCol w="1257120"/>
-                <a:gridCol w="1258560"/>
+                <a:gridCol w="1257120">
+                  <a:extLst>
+                    <a:ext uri="{9D8B030D-6E8A-4147-A177-3AD203B41FA5}">
+                      <a16:colId xmlns:a16="http://schemas.microsoft.com/office/drawing/2014/main" val="20000"/>
+                    </a:ext>
+                  </a:extLst>
+                </a:gridCol>
+                <a:gridCol w="1257120">
+                  <a:extLst>
+                    <a:ext uri="{9D8B030D-6E8A-4147-A177-3AD203B41FA5}">
+                      <a16:colId xmlns:a16="http://schemas.microsoft.com/office/drawing/2014/main" val="20001"/>
+                    </a:ext>
+                  </a:extLst>
+                </a:gridCol>
+                <a:gridCol w="1257120">
+                  <a:extLst>
+                    <a:ext uri="{9D8B030D-6E8A-4147-A177-3AD203B41FA5}">
+                      <a16:colId xmlns:a16="http://schemas.microsoft.com/office/drawing/2014/main" val="20002"/>
+                    </a:ext>
+                  </a:extLst>
+                </a:gridCol>
+                <a:gridCol w="1257120">
+                  <a:extLst>
+                    <a:ext uri="{9D8B030D-6E8A-4147-A177-3AD203B41FA5}">
+                      <a16:colId xmlns:a16="http://schemas.microsoft.com/office/drawing/2014/main" val="20003"/>
+                    </a:ext>
+                  </a:extLst>
+                </a:gridCol>
+                <a:gridCol w="1257120">
+                  <a:extLst>
+                    <a:ext uri="{9D8B030D-6E8A-4147-A177-3AD203B41FA5}">
+                      <a16:colId xmlns:a16="http://schemas.microsoft.com/office/drawing/2014/main" val="20004"/>
+                    </a:ext>
+                  </a:extLst>
+                </a:gridCol>
+                <a:gridCol w="1258560">
+                  <a:extLst>
+                    <a:ext uri="{9D8B030D-6E8A-4147-A177-3AD203B41FA5}">
+                      <a16:colId xmlns:a16="http://schemas.microsoft.com/office/drawing/2014/main" val="20005"/>
+                    </a:ext>
+                  </a:extLst>
+                </a:gridCol>
               </a:tblGrid>
               <a:tr h="370800">
                 <a:tc>
                   <a:txBody>
-                    <a:bodyPr>
-                      <a:spAutoFit/>
-                    </a:bodyPr>
+                    <a:bodyPr/>
+                    <a:lstStyle/>
                     <a:p>
                       <a:pPr>
                         <a:lnSpc>
@@ -14517,9 +14410,8 @@
                 </a:tc>
                 <a:tc>
                   <a:txBody>
-                    <a:bodyPr>
-                      <a:spAutoFit/>
-                    </a:bodyPr>
+                    <a:bodyPr/>
+                    <a:lstStyle/>
                     <a:p>
                       <a:pPr>
                         <a:lnSpc>
@@ -14569,9 +14461,8 @@
                 </a:tc>
                 <a:tc>
                   <a:txBody>
-                    <a:bodyPr>
-                      <a:spAutoFit/>
-                    </a:bodyPr>
+                    <a:bodyPr/>
+                    <a:lstStyle/>
                     <a:p>
                       <a:pPr>
                         <a:lnSpc>
@@ -14621,9 +14512,8 @@
                 </a:tc>
                 <a:tc>
                   <a:txBody>
-                    <a:bodyPr>
-                      <a:spAutoFit/>
-                    </a:bodyPr>
+                    <a:bodyPr/>
+                    <a:lstStyle/>
                     <a:p>
                       <a:pPr>
                         <a:lnSpc>
@@ -14673,9 +14563,8 @@
                 </a:tc>
                 <a:tc>
                   <a:txBody>
-                    <a:bodyPr>
-                      <a:spAutoFit/>
-                    </a:bodyPr>
+                    <a:bodyPr/>
+                    <a:lstStyle/>
                     <a:p>
                       <a:pPr>
                         <a:lnSpc>
@@ -14725,9 +14614,8 @@
                 </a:tc>
                 <a:tc>
                   <a:txBody>
-                    <a:bodyPr>
-                      <a:spAutoFit/>
-                    </a:bodyPr>
+                    <a:bodyPr/>
+                    <a:lstStyle/>
                     <a:p>
                       <a:pPr>
                         <a:lnSpc>
@@ -14775,13 +14663,17 @@
                     </a:solidFill>
                   </a:tcPr>
                 </a:tc>
+                <a:extLst>
+                  <a:ext uri="{0D108BD9-81ED-4DB2-BD59-A6C34878D82A}">
+                    <a16:rowId xmlns:a16="http://schemas.microsoft.com/office/drawing/2014/main" val="10000"/>
+                  </a:ext>
+                </a:extLst>
               </a:tr>
               <a:tr h="370800">
                 <a:tc>
                   <a:txBody>
-                    <a:bodyPr>
-                      <a:spAutoFit/>
-                    </a:bodyPr>
+                    <a:bodyPr/>
+                    <a:lstStyle/>
                     <a:p>
                       <a:pPr>
                         <a:lnSpc>
@@ -14831,9 +14723,8 @@
                 </a:tc>
                 <a:tc>
                   <a:txBody>
-                    <a:bodyPr>
-                      <a:spAutoFit/>
-                    </a:bodyPr>
+                    <a:bodyPr/>
+                    <a:lstStyle/>
                     <a:p>
                       <a:pPr>
                         <a:lnSpc>
@@ -14883,9 +14774,8 @@
                 </a:tc>
                 <a:tc>
                   <a:txBody>
-                    <a:bodyPr>
-                      <a:spAutoFit/>
-                    </a:bodyPr>
+                    <a:bodyPr/>
+                    <a:lstStyle/>
                     <a:p>
                       <a:pPr>
                         <a:lnSpc>
@@ -14935,9 +14825,8 @@
                 </a:tc>
                 <a:tc>
                   <a:txBody>
-                    <a:bodyPr>
-                      <a:spAutoFit/>
-                    </a:bodyPr>
+                    <a:bodyPr/>
+                    <a:lstStyle/>
                     <a:p>
                       <a:pPr>
                         <a:lnSpc>
@@ -14987,9 +14876,8 @@
                 </a:tc>
                 <a:tc>
                   <a:txBody>
-                    <a:bodyPr>
-                      <a:spAutoFit/>
-                    </a:bodyPr>
+                    <a:bodyPr/>
+                    <a:lstStyle/>
                     <a:p>
                       <a:pPr>
                         <a:lnSpc>
@@ -15039,9 +14927,8 @@
                 </a:tc>
                 <a:tc>
                   <a:txBody>
-                    <a:bodyPr>
-                      <a:spAutoFit/>
-                    </a:bodyPr>
+                    <a:bodyPr/>
+                    <a:lstStyle/>
                     <a:p>
                       <a:pPr>
                         <a:lnSpc>
@@ -15089,6 +14976,11 @@
                     </a:solidFill>
                   </a:tcPr>
                 </a:tc>
+                <a:extLst>
+                  <a:ext uri="{0D108BD9-81ED-4DB2-BD59-A6C34878D82A}">
+                    <a16:rowId xmlns:a16="http://schemas.microsoft.com/office/drawing/2014/main" val="10001"/>
+                  </a:ext>
+                </a:extLst>
               </a:tr>
             </a:tbl>
           </a:graphicData>
@@ -15111,7 +15003,7 @@
             </a:avLst>
           </a:prstGeom>
           <a:blipFill rotWithShape="0">
-            <a:blip r:embed="rId1"/>
+            <a:blip r:embed="rId2"/>
             <a:stretch>
               <a:fillRect/>
             </a:stretch>
@@ -15191,6 +15083,7 @@
           <a:bodyPr lIns="234000" tIns="234000" rIns="234000" bIns="91440">
             <a:noAutofit/>
           </a:bodyPr>
+          <a:lstStyle/>
           <a:p>
             <a:pPr marL="457200" indent="-302260">
               <a:lnSpc>
@@ -15291,6 +15184,16 @@
                 <a:ea typeface="DejaVu Sans"/>
               </a:rPr>
             </a:br>
+            <a:r>
+              <a:rPr lang="en-US" sz="1400" b="0" strike="noStrike" spc="-1">
+                <a:solidFill>
+                  <a:srgbClr val="DCDDDE"/>
+                </a:solidFill>
+                <a:latin typeface="Fira Sans Condensed Light"/>
+                <a:ea typeface="DejaVu Sans"/>
+              </a:rPr>
+              <a:t/>
+            </a:r>
             <a:br>
               <a:rPr lang="en-US" sz="1400" b="0" strike="noStrike" spc="-1">
                 <a:solidFill>
@@ -15319,6 +15222,16 @@
                 <a:ea typeface="DejaVu Sans"/>
               </a:rPr>
             </a:br>
+            <a:r>
+              <a:rPr lang="en-US" sz="1400" b="0" strike="noStrike" spc="-1">
+                <a:solidFill>
+                  <a:srgbClr val="DCDDDE"/>
+                </a:solidFill>
+                <a:latin typeface="Fira Sans Condensed Light"/>
+                <a:ea typeface="DejaVu Sans"/>
+              </a:rPr>
+              <a:t/>
+            </a:r>
             <a:br>
               <a:rPr lang="en-US" sz="1400" b="0" strike="noStrike" spc="-1">
                 <a:solidFill>
@@ -15382,6 +15295,7 @@
           <a:bodyPr lIns="90000" tIns="45000" rIns="90000" bIns="45000">
             <a:spAutoFit/>
           </a:bodyPr>
+          <a:lstStyle/>
           <a:p>
             <a:pPr marL="457200" indent="-302260">
               <a:lnSpc>
@@ -15442,6 +15356,7 @@
           <a:bodyPr lIns="90000" tIns="45000" rIns="90000" bIns="45000">
             <a:spAutoFit/>
           </a:bodyPr>
+          <a:lstStyle/>
           <a:p>
             <a:pPr>
               <a:lnSpc>
@@ -15527,6 +15442,7 @@
           <a:bodyPr lIns="90000" tIns="91440" rIns="90000" bIns="91440" anchor="ctr">
             <a:noAutofit/>
           </a:bodyPr>
+          <a:lstStyle/>
           <a:p>
             <a:pPr>
               <a:lnSpc>
@@ -15601,6 +15517,7 @@
           <a:bodyPr lIns="234000" tIns="234000" rIns="234000" bIns="91440">
             <a:noAutofit/>
           </a:bodyPr>
+          <a:lstStyle/>
           <a:p>
             <a:pPr>
               <a:lnSpc>
@@ -15743,6 +15660,9 @@
                 <a:tab pos="0" algn="l"/>
               </a:tabLst>
             </a:pPr>
+            <a:r>
+              <a:t/>
+            </a:r>
             <a:br/>
             <a:endParaRPr lang="en-US" sz="1400" b="0" strike="noStrike" spc="-1">
               <a:latin typeface="Arial" panose="020B0604020202020204"/>
@@ -15757,6 +15677,9 @@
                 <a:tab pos="0" algn="l"/>
               </a:tabLst>
             </a:pPr>
+            <a:r>
+              <a:t/>
+            </a:r>
             <a:br/>
             <a:endParaRPr lang="en-US" sz="1400" b="0" strike="noStrike" spc="-1">
               <a:latin typeface="Arial" panose="020B0604020202020204"/>
@@ -15771,6 +15694,9 @@
                 <a:tab pos="0" algn="l"/>
               </a:tabLst>
             </a:pPr>
+            <a:r>
+              <a:t/>
+            </a:r>
             <a:br/>
             <a:endParaRPr lang="en-US" sz="1400" b="0" strike="noStrike" spc="-1">
               <a:latin typeface="Arial" panose="020B0604020202020204"/>
@@ -15785,6 +15711,9 @@
                 <a:tab pos="0" algn="l"/>
               </a:tabLst>
             </a:pPr>
+            <a:r>
+              <a:t/>
+            </a:r>
             <a:br/>
             <a:endParaRPr lang="en-US" sz="1400" b="0" strike="noStrike" spc="-1">
               <a:latin typeface="Arial" panose="020B0604020202020204"/>
@@ -15799,6 +15728,9 @@
                 <a:tab pos="0" algn="l"/>
               </a:tabLst>
             </a:pPr>
+            <a:r>
+              <a:t/>
+            </a:r>
             <a:br/>
             <a:endParaRPr lang="en-US" sz="1400" b="0" strike="noStrike" spc="-1">
               <a:latin typeface="Arial" panose="020B0604020202020204"/>
@@ -15813,6 +15745,9 @@
                 <a:tab pos="0" algn="l"/>
               </a:tabLst>
             </a:pPr>
+            <a:r>
+              <a:t/>
+            </a:r>
             <a:br/>
             <a:endParaRPr lang="en-US" sz="1400" b="0" strike="noStrike" spc="-1">
               <a:latin typeface="Arial" panose="020B0604020202020204"/>
@@ -15827,6 +15762,9 @@
                 <a:tab pos="0" algn="l"/>
               </a:tabLst>
             </a:pPr>
+            <a:r>
+              <a:t/>
+            </a:r>
             <a:br/>
             <a:endParaRPr lang="en-US" sz="1400" b="0" strike="noStrike" spc="-1">
               <a:latin typeface="Arial" panose="020B0604020202020204"/>
@@ -15841,6 +15779,9 @@
                 <a:tab pos="0" algn="l"/>
               </a:tabLst>
             </a:pPr>
+            <a:r>
+              <a:t/>
+            </a:r>
             <a:br/>
             <a:endParaRPr lang="en-US" sz="1400" b="0" strike="noStrike" spc="-1">
               <a:latin typeface="Arial" panose="020B0604020202020204"/>
@@ -15855,6 +15796,9 @@
                 <a:tab pos="0" algn="l"/>
               </a:tabLst>
             </a:pPr>
+            <a:r>
+              <a:t/>
+            </a:r>
             <a:br/>
             <a:endParaRPr lang="en-US" sz="1400" b="0" strike="noStrike" spc="-1">
               <a:latin typeface="Arial" panose="020B0604020202020204"/>
@@ -15895,7 +15839,7 @@
           <p:nvPr/>
         </p:nvPicPr>
         <p:blipFill>
-          <a:blip r:embed="rId1"/>
+          <a:blip r:embed="rId2"/>
           <a:stretch>
             <a:fillRect/>
           </a:stretch>
@@ -15951,6 +15895,7 @@
           <a:bodyPr lIns="90000" tIns="45000" rIns="90000" bIns="45000">
             <a:spAutoFit/>
           </a:bodyPr>
+          <a:lstStyle/>
           <a:p>
             <a:pPr>
               <a:lnSpc>
@@ -15993,7 +15938,14 @@
         <p:cNvGrpSpPr/>
         <p:nvPr/>
       </p:nvGrpSpPr>
-      <p:grpSpPr/>
+      <p:grpSpPr>
+        <a:xfrm>
+          <a:off x="0" y="0"/>
+          <a:ext cx="0" cy="0"/>
+          <a:chOff x="0" y="0"/>
+          <a:chExt cx="0" cy="0"/>
+        </a:xfrm>
+      </p:grpSpPr>
       <p:sp>
         <p:nvSpPr>
           <p:cNvPr id="2" name="Title 1"/>
@@ -16007,6 +15959,7 @@
         <p:spPr/>
         <p:txBody>
           <a:bodyPr/>
+          <a:lstStyle/>
           <a:p>
             <a:r>
               <a:rPr lang="en-US">
@@ -16016,11 +15969,6 @@
               </a:rPr>
               <a:t>Motivation</a:t>
             </a:r>
-            <a:endParaRPr lang="en-US">
-              <a:solidFill>
-                <a:schemeClr val="bg1"/>
-              </a:solidFill>
-            </a:endParaRPr>
           </a:p>
         </p:txBody>
       </p:sp>
@@ -16063,6 +16011,7 @@
           <a:bodyPr lIns="234000" tIns="234000" rIns="234000" bIns="91440">
             <a:noAutofit/>
           </a:bodyPr>
+          <a:lstStyle/>
           <a:p>
             <a:pPr>
               <a:lnSpc>
@@ -16073,15 +16022,87 @@
               </a:tabLst>
             </a:pPr>
             <a:r>
-              <a:rPr lang="en-US" sz="1200">
+              <a:rPr lang="en-US" sz="1200" dirty="0">
                 <a:solidFill>
                   <a:schemeClr val="bg1"/>
                 </a:solidFill>
                 <a:sym typeface="+mn-ea"/>
               </a:rPr>
-              <a:t> Our goal is to create a system for proving the paternity between father, mother, and child using the whole genome. We apply the short tandem repeats algorithm that counts the repeats for a specific nucleotide on the whole DNA sequence. In addition, we aim to make the paternity test for father and child using the rs number. And create a new approach that if we found a child in the street we make the DNA test for him/her and get the most family accurate family this child maybe related to using Mendelian's law rules.  </a:t>
+              <a:t> Our goal is to create a system for proving the paternity between father, mother, and child </a:t>
             </a:r>
-            <a:endParaRPr lang="en-US" sz="1200" b="0" strike="noStrike" spc="-1">
+            <a:r>
+              <a:rPr lang="en-US" sz="1200" dirty="0" smtClean="0">
+                <a:solidFill>
+                  <a:schemeClr val="bg1"/>
+                </a:solidFill>
+                <a:sym typeface="+mn-ea"/>
+              </a:rPr>
+              <a:t>using whole </a:t>
+            </a:r>
+            <a:r>
+              <a:rPr lang="en-US" sz="1200" dirty="0">
+                <a:solidFill>
+                  <a:schemeClr val="bg1"/>
+                </a:solidFill>
+                <a:sym typeface="+mn-ea"/>
+              </a:rPr>
+              <a:t>genome. We apply </a:t>
+            </a:r>
+            <a:r>
+              <a:rPr lang="en-US" sz="1200" dirty="0" smtClean="0">
+                <a:solidFill>
+                  <a:schemeClr val="bg1"/>
+                </a:solidFill>
+                <a:sym typeface="+mn-ea"/>
+              </a:rPr>
+              <a:t>short </a:t>
+            </a:r>
+            <a:r>
+              <a:rPr lang="en-US" sz="1200" dirty="0">
+                <a:solidFill>
+                  <a:schemeClr val="bg1"/>
+                </a:solidFill>
+                <a:sym typeface="+mn-ea"/>
+              </a:rPr>
+              <a:t>tandem repeats algorithm that counts </a:t>
+            </a:r>
+            <a:r>
+              <a:rPr lang="en-US" sz="1200" dirty="0" smtClean="0">
+                <a:solidFill>
+                  <a:schemeClr val="bg1"/>
+                </a:solidFill>
+                <a:sym typeface="+mn-ea"/>
+              </a:rPr>
+              <a:t>the number of </a:t>
+            </a:r>
+            <a:r>
+              <a:rPr lang="en-US" sz="1200" dirty="0">
+                <a:solidFill>
+                  <a:schemeClr val="bg1"/>
+                </a:solidFill>
+                <a:sym typeface="+mn-ea"/>
+              </a:rPr>
+              <a:t>repeats for a specific nucleotide on the whole DNA sequence. In addition, we aim to make the paternity test for father and child using the </a:t>
+            </a:r>
+            <a:r>
+              <a:rPr lang="en-US" sz="1200" dirty="0" err="1">
+                <a:solidFill>
+                  <a:schemeClr val="bg1"/>
+                </a:solidFill>
+                <a:sym typeface="+mn-ea"/>
+              </a:rPr>
+              <a:t>rs</a:t>
+            </a:r>
+            <a:r>
+              <a:rPr lang="en-US" sz="1200" dirty="0">
+                <a:solidFill>
+                  <a:schemeClr val="bg1"/>
+                </a:solidFill>
+                <a:sym typeface="+mn-ea"/>
+              </a:rPr>
+              <a:t> number. And create a new approach that if we found a child in the street we make the DNA test for him/her and get the most family accurate family this child maybe related to using Mendelian's law rules.  </a:t>
+            </a:r>
+            <a:endParaRPr lang="en-US" sz="1200" b="0" strike="noStrike" spc="-1" dirty="0">
               <a:solidFill>
                 <a:schemeClr val="bg1"/>
               </a:solidFill>
@@ -16106,7 +16127,7 @@
     <p:bg>
       <p:bgPr>
         <a:blipFill rotWithShape="0">
-          <a:blip r:embed="rId1"/>
+          <a:blip r:embed="rId2"/>
           <a:stretch>
             <a:fillRect/>
           </a:stretch>
@@ -16163,6 +16184,7 @@
           <a:bodyPr lIns="90000" tIns="91440" rIns="90000" bIns="91440" anchor="ctr">
             <a:noAutofit/>
           </a:bodyPr>
+          <a:lstStyle/>
           <a:p>
             <a:pPr>
               <a:lnSpc>
@@ -16197,7 +16219,7 @@
           <p:nvPr/>
         </p:nvPicPr>
         <p:blipFill>
-          <a:blip r:embed="rId2">
+          <a:blip r:embed="rId3">
             <a:lum bright="70000" contrast="-70000"/>
           </a:blip>
           <a:stretch>
@@ -16256,6 +16278,7 @@
           <a:bodyPr lIns="234000" tIns="234000" rIns="234000" bIns="91440">
             <a:noAutofit/>
           </a:bodyPr>
+          <a:lstStyle/>
           <a:p>
             <a:pPr marL="457200" indent="-302260">
               <a:lnSpc>
@@ -16430,6 +16453,7 @@
           <a:bodyPr lIns="90000" tIns="45000" rIns="90000" bIns="45000">
             <a:spAutoFit/>
           </a:bodyPr>
+          <a:lstStyle/>
           <a:p>
             <a:pPr>
               <a:lnSpc>
@@ -16472,7 +16496,14 @@
         <p:cNvGrpSpPr/>
         <p:nvPr/>
       </p:nvGrpSpPr>
-      <p:grpSpPr/>
+      <p:grpSpPr>
+        <a:xfrm>
+          <a:off x="0" y="0"/>
+          <a:ext cx="0" cy="0"/>
+          <a:chOff x="0" y="0"/>
+          <a:chExt cx="0" cy="0"/>
+        </a:xfrm>
+      </p:grpSpPr>
       <p:sp>
         <p:nvSpPr>
           <p:cNvPr id="2" name="Title 1"/>
@@ -16486,6 +16517,7 @@
         <p:spPr/>
         <p:txBody>
           <a:bodyPr/>
+          <a:lstStyle/>
           <a:p>
             <a:r>
               <a:rPr lang="en-US">
@@ -16495,11 +16527,6 @@
               </a:rPr>
               <a:t>Similar System</a:t>
             </a:r>
-            <a:endParaRPr lang="en-US">
-              <a:solidFill>
-                <a:schemeClr val="bg1"/>
-              </a:solidFill>
-            </a:endParaRPr>
           </a:p>
         </p:txBody>
       </p:sp>
@@ -16542,6 +16569,7 @@
           <a:bodyPr lIns="234000" tIns="234000" rIns="234000" bIns="91440">
             <a:noAutofit/>
           </a:bodyPr>
+          <a:lstStyle/>
           <a:p>
             <a:pPr>
               <a:lnSpc>
@@ -16599,6 +16627,15 @@
                 <a:tab pos="0" algn="l"/>
               </a:tabLst>
             </a:pPr>
+            <a:r>
+              <a:rPr lang="en-US" sz="1200" b="1">
+                <a:solidFill>
+                  <a:schemeClr val="bg1"/>
+                </a:solidFill>
+                <a:sym typeface="+mn-ea"/>
+              </a:rPr>
+              <a:t/>
+            </a:r>
             <a:br>
               <a:rPr lang="en-US" sz="1200" b="1">
                 <a:solidFill>
@@ -16805,6 +16842,7 @@
           <a:bodyPr lIns="90000" tIns="45000" rIns="90000" bIns="45000">
             <a:spAutoFit/>
           </a:bodyPr>
+          <a:lstStyle/>
           <a:p>
             <a:pPr>
               <a:lnSpc>
@@ -16820,12 +16858,6 @@
               </a:rPr>
               <a:t>5</a:t>
             </a:r>
-            <a:endParaRPr lang="en-US" sz="1800" b="0" strike="noStrike" spc="-1">
-              <a:solidFill>
-                <a:schemeClr val="bg1"/>
-              </a:solidFill>
-              <a:latin typeface="Arial" panose="020B0604020202020204"/>
-            </a:endParaRPr>
           </a:p>
         </p:txBody>
       </p:sp>
@@ -16846,7 +16878,14 @@
         <p:cNvGrpSpPr/>
         <p:nvPr/>
       </p:nvGrpSpPr>
-      <p:grpSpPr/>
+      <p:grpSpPr>
+        <a:xfrm>
+          <a:off x="0" y="0"/>
+          <a:ext cx="0" cy="0"/>
+          <a:chOff x="0" y="0"/>
+          <a:chExt cx="0" cy="0"/>
+        </a:xfrm>
+      </p:grpSpPr>
       <p:sp>
         <p:nvSpPr>
           <p:cNvPr id="2" name="Title 1"/>
@@ -16865,6 +16904,7 @@
         </p:spPr>
         <p:txBody>
           <a:bodyPr/>
+          <a:lstStyle/>
           <a:p>
             <a:r>
               <a:rPr lang="en-US">
@@ -16874,6 +16914,14 @@
                 <a:sym typeface="+mn-ea"/>
               </a:rPr>
               <a:t>Similar System</a:t>
+            </a:r>
+            <a:r>
+              <a:rPr lang="en-US">
+                <a:solidFill>
+                  <a:schemeClr val="bg1"/>
+                </a:solidFill>
+              </a:rPr>
+              <a:t/>
             </a:r>
             <a:br>
               <a:rPr lang="en-US">
@@ -16925,6 +16973,7 @@
           <a:bodyPr lIns="234000" tIns="234000" rIns="234000" bIns="91440">
             <a:noAutofit/>
           </a:bodyPr>
+          <a:lstStyle/>
           <a:p>
             <a:pPr>
               <a:lnSpc>
@@ -16999,6 +17048,15 @@
                 <a:sym typeface="+mn-ea"/>
               </a:rPr>
             </a:br>
+            <a:r>
+              <a:rPr lang="en-US" sz="1200" b="1">
+                <a:solidFill>
+                  <a:schemeClr val="bg1"/>
+                </a:solidFill>
+                <a:sym typeface="+mn-ea"/>
+              </a:rPr>
+              <a:t/>
+            </a:r>
             <a:br>
               <a:rPr lang="en-US" sz="1200" b="1">
                 <a:solidFill>
@@ -17007,6 +17065,15 @@
                 <a:sym typeface="+mn-ea"/>
               </a:rPr>
             </a:br>
+            <a:r>
+              <a:rPr lang="en-US" sz="1200" b="1">
+                <a:solidFill>
+                  <a:schemeClr val="bg1"/>
+                </a:solidFill>
+                <a:sym typeface="+mn-ea"/>
+              </a:rPr>
+              <a:t/>
+            </a:r>
             <a:br>
               <a:rPr lang="en-US" sz="1200" b="1">
                 <a:solidFill>
@@ -17198,6 +17265,7 @@
           <a:bodyPr lIns="90000" tIns="45000" rIns="90000" bIns="45000">
             <a:spAutoFit/>
           </a:bodyPr>
+          <a:lstStyle/>
           <a:p>
             <a:pPr>
               <a:lnSpc>
@@ -17213,12 +17281,6 @@
               </a:rPr>
               <a:t>6</a:t>
             </a:r>
-            <a:endParaRPr lang="en-US" sz="1800" b="0" strike="noStrike" spc="-1">
-              <a:solidFill>
-                <a:schemeClr val="bg1"/>
-              </a:solidFill>
-              <a:latin typeface="Arial" panose="020B0604020202020204"/>
-            </a:endParaRPr>
           </a:p>
         </p:txBody>
       </p:sp>
@@ -17453,6 +17515,8 @@
       </a:bgFillStyleLst>
     </a:fmtScheme>
   </a:themeElements>
+  <a:objectDefaults/>
+  <a:extraClrSchemeLst/>
   <a:extLst>
     <a:ext uri="{05A4C25C-085E-4340-85A3-A5531E510DB2}">
       <thm15:themeFamily xmlns:thm15="http://schemas.microsoft.com/office/thememl/2012/main" name="Office Theme" id="{62F939B6-93AF-4DB8-9C6B-D6C7DFDC589F}" vid="{4A3C46E8-61CC-4603-A589-7422A47A8E4A}"/>
@@ -17684,6 +17748,8 @@
       </a:bgFillStyleLst>
     </a:fmtScheme>
   </a:themeElements>
+  <a:objectDefaults/>
+  <a:extraClrSchemeLst/>
   <a:extLst>
     <a:ext uri="{05A4C25C-085E-4340-85A3-A5531E510DB2}">
       <thm15:themeFamily xmlns:thm15="http://schemas.microsoft.com/office/thememl/2012/main" name="Office Theme" id="{62F939B6-93AF-4DB8-9C6B-D6C7DFDC589F}" vid="{4A3C46E8-61CC-4603-A589-7422A47A8E4A}"/>
@@ -17915,6 +17981,8 @@
       </a:bgFillStyleLst>
     </a:fmtScheme>
   </a:themeElements>
+  <a:objectDefaults/>
+  <a:extraClrSchemeLst/>
   <a:extLst>
     <a:ext uri="{05A4C25C-085E-4340-85A3-A5531E510DB2}">
       <thm15:themeFamily xmlns:thm15="http://schemas.microsoft.com/office/thememl/2012/main" name="Office Theme" id="{62F939B6-93AF-4DB8-9C6B-D6C7DFDC589F}" vid="{4A3C46E8-61CC-4603-A589-7422A47A8E4A}"/>
@@ -18146,6 +18214,8 @@
       </a:bgFillStyleLst>
     </a:fmtScheme>
   </a:themeElements>
+  <a:objectDefaults/>
+  <a:extraClrSchemeLst/>
   <a:extLst>
     <a:ext uri="{05A4C25C-085E-4340-85A3-A5531E510DB2}">
       <thm15:themeFamily xmlns:thm15="http://schemas.microsoft.com/office/thememl/2012/main" name="Office Theme" id="{62F939B6-93AF-4DB8-9C6B-D6C7DFDC589F}" vid="{4A3C46E8-61CC-4603-A589-7422A47A8E4A}"/>
@@ -18377,6 +18447,8 @@
       </a:bgFillStyleLst>
     </a:fmtScheme>
   </a:themeElements>
+  <a:objectDefaults/>
+  <a:extraClrSchemeLst/>
   <a:extLst>
     <a:ext uri="{05A4C25C-085E-4340-85A3-A5531E510DB2}">
       <thm15:themeFamily xmlns:thm15="http://schemas.microsoft.com/office/thememl/2012/main" name="Office Theme" id="{62F939B6-93AF-4DB8-9C6B-D6C7DFDC589F}" vid="{4A3C46E8-61CC-4603-A589-7422A47A8E4A}"/>
@@ -18608,6 +18680,8 @@
       </a:bgFillStyleLst>
     </a:fmtScheme>
   </a:themeElements>
+  <a:objectDefaults/>
+  <a:extraClrSchemeLst/>
   <a:extLst>
     <a:ext uri="{05A4C25C-085E-4340-85A3-A5531E510DB2}">
       <thm15:themeFamily xmlns:thm15="http://schemas.microsoft.com/office/thememl/2012/main" name="Office Theme" id="{62F939B6-93AF-4DB8-9C6B-D6C7DFDC589F}" vid="{4A3C46E8-61CC-4603-A589-7422A47A8E4A}"/>

--- a/E-Genetics/presentations/proposal.pptx
+++ b/E-Genetics/presentations/proposal.pptx
@@ -121,6 +121,11 @@
       </a:defRPr>
     </a:lvl9pPr>
   </p:defaultTextStyle>
+  <p:extLst>
+    <p:ext uri="{EFAFB233-063F-42B5-8137-9DF3F51BA10A}">
+      <p15:sldGuideLst xmlns:p15="http://schemas.microsoft.com/office/powerpoint/2012/main"/>
+    </p:ext>
+  </p:extLst>
 </p:presentation>
 </file>
 
@@ -12033,7 +12038,7 @@
               </a:lnSpc>
             </a:pPr>
             <a:r>
-              <a:rPr lang="en-US" sz="1400" b="0" strike="noStrike" spc="-1">
+              <a:rPr lang="en-US" sz="1400" b="0" strike="noStrike" spc="-1" dirty="0" smtClean="0">
                 <a:solidFill>
                   <a:srgbClr val="FFFFFF"/>
                 </a:solidFill>
@@ -12041,8 +12046,38 @@
                 <a:ea typeface="Fira Sans Condensed Light"/>
                 <a:cs typeface="Arial" panose="020B0604020202020204" pitchFamily="34" charset="0"/>
               </a:rPr>
-              <a:t>Whole genome processing from the sources we gathered</a:t>
+              <a:t>Enhancing our dataset for </a:t>
             </a:r>
+            <a:r>
+              <a:rPr lang="en-US" sz="1400" b="0" strike="noStrike" spc="-1" dirty="0" err="1" smtClean="0">
+                <a:solidFill>
+                  <a:srgbClr val="FFFFFF"/>
+                </a:solidFill>
+                <a:latin typeface="Arial" panose="020B0604020202020204" pitchFamily="34" charset="0"/>
+                <a:ea typeface="Fira Sans Condensed Light"/>
+                <a:cs typeface="Arial" panose="020B0604020202020204" pitchFamily="34" charset="0"/>
+              </a:rPr>
+              <a:t>rs</a:t>
+            </a:r>
+            <a:r>
+              <a:rPr lang="en-US" sz="1400" b="0" strike="noStrike" spc="-1" dirty="0" smtClean="0">
+                <a:solidFill>
+                  <a:srgbClr val="FFFFFF"/>
+                </a:solidFill>
+                <a:latin typeface="Arial" panose="020B0604020202020204" pitchFamily="34" charset="0"/>
+                <a:ea typeface="Fira Sans Condensed Light"/>
+                <a:cs typeface="Arial" panose="020B0604020202020204" pitchFamily="34" charset="0"/>
+              </a:rPr>
+              <a:t> numbers for implementation</a:t>
+            </a:r>
+            <a:endParaRPr lang="en-US" sz="1400" b="0" strike="noStrike" spc="-1" dirty="0">
+              <a:solidFill>
+                <a:srgbClr val="FFFFFF"/>
+              </a:solidFill>
+              <a:latin typeface="Arial" panose="020B0604020202020204" pitchFamily="34" charset="0"/>
+              <a:ea typeface="Fira Sans Condensed Light"/>
+              <a:cs typeface="Arial" panose="020B0604020202020204" pitchFamily="34" charset="0"/>
+            </a:endParaRPr>
           </a:p>
         </p:txBody>
       </p:sp>
@@ -12089,7 +12124,7 @@
               </a:lnSpc>
             </a:pPr>
             <a:r>
-              <a:rPr lang="en-US" sz="1800" b="1" strike="noStrike" spc="-1">
+              <a:rPr lang="en-US" sz="1800" b="1" strike="noStrike" spc="-1" dirty="0">
                 <a:solidFill>
                   <a:srgbClr val="FFFFFF"/>
                 </a:solidFill>
@@ -12100,7 +12135,7 @@
               <a:t>B</a:t>
             </a:r>
             <a:r>
-              <a:rPr lang="en-GB" sz="1800" b="1" strike="noStrike" spc="-1">
+              <a:rPr lang="en-GB" sz="1800" b="1" strike="noStrike" spc="-1" dirty="0">
                 <a:solidFill>
                   <a:srgbClr val="FFFFFF"/>
                 </a:solidFill>
@@ -12111,7 +12146,7 @@
               <a:t>y the end of </a:t>
             </a:r>
             <a:r>
-              <a:rPr lang="en-US" sz="1800" b="1" strike="noStrike" spc="-1">
+              <a:rPr lang="en-US" sz="1800" b="1" strike="noStrike" spc="-1" dirty="0" smtClean="0">
                 <a:solidFill>
                   <a:srgbClr val="FFFFFF"/>
                 </a:solidFill>
@@ -12119,9 +12154,9 @@
                 <a:ea typeface="Rajdhani"/>
                 <a:cs typeface="Arial" panose="020B0604020202020204" pitchFamily="34" charset="0"/>
               </a:rPr>
-              <a:t>January</a:t>
+              <a:t>October</a:t>
             </a:r>
-            <a:endParaRPr lang="en-US" sz="1800" b="0" strike="noStrike" spc="-1">
+            <a:endParaRPr lang="en-US" sz="1800" b="0" strike="noStrike" spc="-1" dirty="0">
               <a:latin typeface="Arial" panose="020B0604020202020204" pitchFamily="34" charset="0"/>
               <a:cs typeface="Arial" panose="020B0604020202020204" pitchFamily="34" charset="0"/>
             </a:endParaRPr>
@@ -12171,7 +12206,7 @@
               </a:lnSpc>
             </a:pPr>
             <a:r>
-              <a:rPr lang="en-US" sz="1400" b="0" strike="noStrike" spc="-1">
+              <a:rPr lang="en-US" sz="1400" b="0" strike="noStrike" spc="-1" dirty="0" smtClean="0">
                 <a:solidFill>
                   <a:srgbClr val="FFFFFF"/>
                 </a:solidFill>
@@ -12179,8 +12214,16 @@
                 <a:ea typeface="Fira Sans Condensed Light"/>
                 <a:cs typeface="Arial" panose="020B0604020202020204" pitchFamily="34" charset="0"/>
               </a:rPr>
-              <a:t>Potentially add Whole genome in our system based on the information we gathered</a:t>
+              <a:t>Collecting different papers for Short tandem repeat algorithm</a:t>
             </a:r>
+            <a:endParaRPr lang="en-US" sz="1400" b="0" strike="noStrike" spc="-1" dirty="0">
+              <a:solidFill>
+                <a:srgbClr val="FFFFFF"/>
+              </a:solidFill>
+              <a:latin typeface="Arial" panose="020B0604020202020204" pitchFamily="34" charset="0"/>
+              <a:ea typeface="Fira Sans Condensed Light"/>
+              <a:cs typeface="Arial" panose="020B0604020202020204" pitchFamily="34" charset="0"/>
+            </a:endParaRPr>
           </a:p>
         </p:txBody>
       </p:sp>
@@ -12230,7 +12273,7 @@
               </a:tabLst>
             </a:pPr>
             <a:r>
-              <a:rPr lang="en-US" sz="1400" b="0" strike="noStrike" spc="-1">
+              <a:rPr lang="en-US" sz="1400" b="0" strike="noStrike" spc="-1" dirty="0" smtClean="0">
                 <a:solidFill>
                   <a:srgbClr val="FFFFFF"/>
                 </a:solidFill>
@@ -12238,8 +12281,16 @@
                 <a:ea typeface="Fira Sans Condensed Light"/>
                 <a:cs typeface="Arial" panose="020B0604020202020204" pitchFamily="34" charset="0"/>
               </a:rPr>
-              <a:t>Implement at least 60 % of the GUI application and mobile application</a:t>
+              <a:t>Sketching the first looks of our system</a:t>
             </a:r>
+            <a:endParaRPr lang="en-US" sz="1400" b="0" strike="noStrike" spc="-1" dirty="0">
+              <a:solidFill>
+                <a:srgbClr val="FFFFFF"/>
+              </a:solidFill>
+              <a:latin typeface="Arial" panose="020B0604020202020204" pitchFamily="34" charset="0"/>
+              <a:ea typeface="Fira Sans Condensed Light"/>
+              <a:cs typeface="Arial" panose="020B0604020202020204" pitchFamily="34" charset="0"/>
+            </a:endParaRPr>
           </a:p>
         </p:txBody>
       </p:sp>
@@ -12286,7 +12337,7 @@
               </a:lnSpc>
             </a:pPr>
             <a:r>
-              <a:rPr lang="en-US" sz="1400" b="0" strike="noStrike" spc="-1">
+              <a:rPr lang="en-US" sz="1400" b="0" strike="noStrike" spc="-1" dirty="0" smtClean="0">
                 <a:solidFill>
                   <a:srgbClr val="FFFFFF"/>
                 </a:solidFill>
@@ -12294,8 +12345,38 @@
                 <a:ea typeface="Fira Sans Condensed Light"/>
                 <a:cs typeface="Arial" panose="020B0604020202020204" pitchFamily="34" charset="0"/>
               </a:rPr>
-              <a:t>Prove that if is at least a relevance or kinship degree </a:t>
+              <a:t>Testing structure of code for </a:t>
             </a:r>
+            <a:r>
+              <a:rPr lang="en-US" sz="1400" b="0" strike="noStrike" spc="-1" dirty="0" err="1" smtClean="0">
+                <a:solidFill>
+                  <a:srgbClr val="FFFFFF"/>
+                </a:solidFill>
+                <a:latin typeface="Arial" panose="020B0604020202020204" pitchFamily="34" charset="0"/>
+                <a:ea typeface="Fira Sans Condensed Light"/>
+                <a:cs typeface="Arial" panose="020B0604020202020204" pitchFamily="34" charset="0"/>
+              </a:rPr>
+              <a:t>rs</a:t>
+            </a:r>
+            <a:r>
+              <a:rPr lang="en-US" sz="1400" b="0" strike="noStrike" spc="-1" dirty="0" smtClean="0">
+                <a:solidFill>
+                  <a:srgbClr val="FFFFFF"/>
+                </a:solidFill>
+                <a:latin typeface="Arial" panose="020B0604020202020204" pitchFamily="34" charset="0"/>
+                <a:ea typeface="Fira Sans Condensed Light"/>
+                <a:cs typeface="Arial" panose="020B0604020202020204" pitchFamily="34" charset="0"/>
+              </a:rPr>
+              <a:t> numbers</a:t>
+            </a:r>
+            <a:endParaRPr lang="en-US" sz="1400" b="0" strike="noStrike" spc="-1" dirty="0">
+              <a:solidFill>
+                <a:srgbClr val="FFFFFF"/>
+              </a:solidFill>
+              <a:latin typeface="Arial" panose="020B0604020202020204" pitchFamily="34" charset="0"/>
+              <a:ea typeface="Fira Sans Condensed Light"/>
+              <a:cs typeface="Arial" panose="020B0604020202020204" pitchFamily="34" charset="0"/>
+            </a:endParaRPr>
           </a:p>
         </p:txBody>
       </p:sp>
@@ -12342,7 +12423,7 @@
               </a:lnSpc>
             </a:pPr>
             <a:r>
-              <a:rPr lang="en-GB" sz="1800" b="1" strike="noStrike" spc="-1">
+              <a:rPr lang="en-GB" sz="1800" b="1" strike="noStrike" spc="-1" dirty="0" smtClean="0">
                 <a:solidFill>
                   <a:srgbClr val="FFFFFF"/>
                 </a:solidFill>
@@ -12350,10 +12431,10 @@
                 <a:ea typeface="Rajdhani"/>
                 <a:cs typeface="Arial" panose="020B0604020202020204" pitchFamily="34" charset="0"/>
               </a:rPr>
-              <a:t>By the end of </a:t>
+              <a:t>Beginning of </a:t>
             </a:r>
             <a:r>
-              <a:rPr lang="en-US" sz="1800" b="1" strike="noStrike" spc="-1">
+              <a:rPr lang="en-US" sz="1800" b="1" strike="noStrike" spc="-1" dirty="0" smtClean="0">
                 <a:solidFill>
                   <a:srgbClr val="FFFFFF"/>
                 </a:solidFill>
@@ -12361,9 +12442,9 @@
                 <a:ea typeface="Rajdhani"/>
                 <a:cs typeface="Arial" panose="020B0604020202020204" pitchFamily="34" charset="0"/>
               </a:rPr>
-              <a:t>February</a:t>
+              <a:t>November</a:t>
             </a:r>
-            <a:endParaRPr lang="en-US" sz="1800" b="0" strike="noStrike" spc="-1">
+            <a:endParaRPr lang="en-US" sz="1800" b="0" strike="noStrike" spc="-1" dirty="0">
               <a:latin typeface="Arial" panose="020B0604020202020204" pitchFamily="34" charset="0"/>
               <a:cs typeface="Arial" panose="020B0604020202020204" pitchFamily="34" charset="0"/>
             </a:endParaRPr>
@@ -12416,7 +12497,7 @@
               </a:tabLst>
             </a:pPr>
             <a:r>
-              <a:rPr lang="en-US" sz="1800" b="1" strike="noStrike" spc="-1">
+              <a:rPr lang="en-US" sz="1800" b="1" strike="noStrike" spc="-1" dirty="0">
                 <a:solidFill>
                   <a:srgbClr val="FFFFFF"/>
                 </a:solidFill>
@@ -12427,7 +12508,7 @@
               <a:t>B</a:t>
             </a:r>
             <a:r>
-              <a:rPr lang="en-GB" sz="1800" b="1" strike="noStrike" spc="-1">
+              <a:rPr lang="en-GB" sz="1800" b="1" strike="noStrike" spc="-1" dirty="0">
                 <a:solidFill>
                   <a:srgbClr val="FFFFFF"/>
                 </a:solidFill>
@@ -12435,9 +12516,31 @@
                 <a:ea typeface="Rajdhani"/>
                 <a:cs typeface="Arial" panose="020B0604020202020204" pitchFamily="34" charset="0"/>
               </a:rPr>
-              <a:t>efore the end of Februrary </a:t>
+              <a:t>efore the end of </a:t>
             </a:r>
-            <a:endParaRPr lang="en-US" sz="1800" b="0" strike="noStrike" spc="-1">
+            <a:r>
+              <a:rPr lang="en-GB" b="1" spc="-1" dirty="0" smtClean="0">
+                <a:solidFill>
+                  <a:srgbClr val="FFFFFF"/>
+                </a:solidFill>
+                <a:latin typeface="Arial" panose="020B0604020202020204" pitchFamily="34" charset="0"/>
+                <a:ea typeface="Rajdhani"/>
+                <a:cs typeface="Arial" panose="020B0604020202020204" pitchFamily="34" charset="0"/>
+              </a:rPr>
+              <a:t>November</a:t>
+            </a:r>
+            <a:r>
+              <a:rPr lang="en-GB" sz="1800" b="1" strike="noStrike" spc="-1" dirty="0" smtClean="0">
+                <a:solidFill>
+                  <a:srgbClr val="FFFFFF"/>
+                </a:solidFill>
+                <a:latin typeface="Arial" panose="020B0604020202020204" pitchFamily="34" charset="0"/>
+                <a:ea typeface="Rajdhani"/>
+                <a:cs typeface="Arial" panose="020B0604020202020204" pitchFamily="34" charset="0"/>
+              </a:rPr>
+              <a:t> </a:t>
+            </a:r>
+            <a:endParaRPr lang="en-US" sz="1800" b="0" strike="noStrike" spc="-1" dirty="0">
               <a:latin typeface="Arial" panose="020B0604020202020204" pitchFamily="34" charset="0"/>
               <a:cs typeface="Arial" panose="020B0604020202020204" pitchFamily="34" charset="0"/>
             </a:endParaRPr>
@@ -12487,7 +12590,7 @@
               </a:lnSpc>
             </a:pPr>
             <a:r>
-              <a:rPr lang="en-US" sz="1800" b="1" strike="noStrike" spc="-1">
+              <a:rPr lang="en-US" sz="1800" b="1" strike="noStrike" spc="-1" dirty="0">
                 <a:solidFill>
                   <a:srgbClr val="FFFFFF"/>
                 </a:solidFill>
@@ -12495,8 +12598,27 @@
                 <a:ea typeface="Rajdhani"/>
                 <a:cs typeface="Arial" panose="020B0604020202020204" pitchFamily="34" charset="0"/>
               </a:rPr>
-              <a:t>Start by the end of February</a:t>
+              <a:t>Start by the end of </a:t>
             </a:r>
+            <a:r>
+              <a:rPr lang="en-US" b="1" spc="-1" dirty="0" smtClean="0">
+                <a:solidFill>
+                  <a:srgbClr val="FFFFFF"/>
+                </a:solidFill>
+                <a:latin typeface="Arial" panose="020B0604020202020204" pitchFamily="34" charset="0"/>
+                <a:ea typeface="Rajdhani"/>
+                <a:cs typeface="Arial" panose="020B0604020202020204" pitchFamily="34" charset="0"/>
+              </a:rPr>
+              <a:t>December</a:t>
+            </a:r>
+            <a:endParaRPr lang="en-US" sz="1800" b="1" strike="noStrike" spc="-1" dirty="0">
+              <a:solidFill>
+                <a:srgbClr val="FFFFFF"/>
+              </a:solidFill>
+              <a:latin typeface="Arial" panose="020B0604020202020204" pitchFamily="34" charset="0"/>
+              <a:ea typeface="Rajdhani"/>
+              <a:cs typeface="Arial" panose="020B0604020202020204" pitchFamily="34" charset="0"/>
+            </a:endParaRPr>
           </a:p>
         </p:txBody>
       </p:sp>
@@ -12739,7 +12861,7 @@
               </a:lnSpc>
             </a:pPr>
             <a:r>
-              <a:rPr lang="en-US" sz="1600" b="1" strike="noStrike" spc="-1">
+              <a:rPr lang="en-US" sz="1600" b="1" strike="noStrike" spc="-1" dirty="0" smtClean="0">
                 <a:solidFill>
                   <a:srgbClr val="FFFFFF"/>
                 </a:solidFill>
@@ -12747,8 +12869,16 @@
                 <a:ea typeface="Rajdhani"/>
                 <a:cs typeface="Arial" panose="020B0604020202020204" pitchFamily="34" charset="0"/>
               </a:rPr>
-              <a:t>13/1/2022</a:t>
+              <a:t>Proposal</a:t>
             </a:r>
+            <a:endParaRPr lang="en-US" sz="1600" b="1" strike="noStrike" spc="-1" dirty="0">
+              <a:solidFill>
+                <a:srgbClr val="FFFFFF"/>
+              </a:solidFill>
+              <a:latin typeface="Arial" panose="020B0604020202020204" pitchFamily="34" charset="0"/>
+              <a:ea typeface="Rajdhani"/>
+              <a:cs typeface="Arial" panose="020B0604020202020204" pitchFamily="34" charset="0"/>
+            </a:endParaRPr>
           </a:p>
         </p:txBody>
       </p:sp>
@@ -12795,7 +12925,7 @@
               </a:lnSpc>
             </a:pPr>
             <a:r>
-              <a:rPr lang="en-US" sz="1400" b="0" strike="noStrike" spc="-1">
+              <a:rPr lang="en-US" sz="1400" spc="-1" dirty="0" smtClean="0">
                 <a:solidFill>
                   <a:srgbClr val="FFFFFF"/>
                 </a:solidFill>
@@ -12803,8 +12933,16 @@
                 <a:ea typeface="Fira Sans Condensed Light"/>
                 <a:cs typeface="Arial" panose="020B0604020202020204" pitchFamily="34" charset="0"/>
               </a:rPr>
-              <a:t>Enhance everything we implemented so far</a:t>
+              <a:t>Begin Research for whole genome</a:t>
             </a:r>
+            <a:endParaRPr lang="en-US" sz="1400" b="0" strike="noStrike" spc="-1" dirty="0">
+              <a:solidFill>
+                <a:srgbClr val="FFFFFF"/>
+              </a:solidFill>
+              <a:latin typeface="Arial" panose="020B0604020202020204" pitchFamily="34" charset="0"/>
+              <a:ea typeface="Fira Sans Condensed Light"/>
+              <a:cs typeface="Arial" panose="020B0604020202020204" pitchFamily="34" charset="0"/>
+            </a:endParaRPr>
           </a:p>
         </p:txBody>
       </p:sp>

--- a/E-Genetics/presentations/proposal.pptx
+++ b/E-Genetics/presentations/proposal.pptx
@@ -12046,10 +12046,10 @@
                 <a:ea typeface="Fira Sans Condensed Light"/>
                 <a:cs typeface="Arial" panose="020B0604020202020204" pitchFamily="34" charset="0"/>
               </a:rPr>
-              <a:t>Enhancing our dataset for </a:t>
+              <a:t>Collecting dataset for whol</a:t>
             </a:r>
             <a:r>
-              <a:rPr lang="en-US" sz="1400" b="0" strike="noStrike" spc="-1" dirty="0" err="1" smtClean="0">
+              <a:rPr lang="en-US" sz="1400" spc="-1" dirty="0" smtClean="0">
                 <a:solidFill>
                   <a:srgbClr val="FFFFFF"/>
                 </a:solidFill>
@@ -12057,18 +12057,7 @@
                 <a:ea typeface="Fira Sans Condensed Light"/>
                 <a:cs typeface="Arial" panose="020B0604020202020204" pitchFamily="34" charset="0"/>
               </a:rPr>
-              <a:t>rs</a:t>
-            </a:r>
-            <a:r>
-              <a:rPr lang="en-US" sz="1400" b="0" strike="noStrike" spc="-1" dirty="0" smtClean="0">
-                <a:solidFill>
-                  <a:srgbClr val="FFFFFF"/>
-                </a:solidFill>
-                <a:latin typeface="Arial" panose="020B0604020202020204" pitchFamily="34" charset="0"/>
-                <a:ea typeface="Fira Sans Condensed Light"/>
-                <a:cs typeface="Arial" panose="020B0604020202020204" pitchFamily="34" charset="0"/>
-              </a:rPr>
-              <a:t> numbers for implementation</a:t>
+              <a:t>e genome</a:t>
             </a:r>
             <a:endParaRPr lang="en-US" sz="1400" b="0" strike="noStrike" spc="-1" dirty="0">
               <a:solidFill>
@@ -12348,17 +12337,6 @@
               <a:t>Testing structure of code for </a:t>
             </a:r>
             <a:r>
-              <a:rPr lang="en-US" sz="1400" b="0" strike="noStrike" spc="-1" dirty="0" err="1" smtClean="0">
-                <a:solidFill>
-                  <a:srgbClr val="FFFFFF"/>
-                </a:solidFill>
-                <a:latin typeface="Arial" panose="020B0604020202020204" pitchFamily="34" charset="0"/>
-                <a:ea typeface="Fira Sans Condensed Light"/>
-                <a:cs typeface="Arial" panose="020B0604020202020204" pitchFamily="34" charset="0"/>
-              </a:rPr>
-              <a:t>rs</a:t>
-            </a:r>
-            <a:r>
               <a:rPr lang="en-US" sz="1400" b="0" strike="noStrike" spc="-1" dirty="0" smtClean="0">
                 <a:solidFill>
                   <a:srgbClr val="FFFFFF"/>
@@ -12367,7 +12345,7 @@
                 <a:ea typeface="Fira Sans Condensed Light"/>
                 <a:cs typeface="Arial" panose="020B0604020202020204" pitchFamily="34" charset="0"/>
               </a:rPr>
-              <a:t> numbers</a:t>
+              <a:t>short tandem repeat based on what we gathered</a:t>
             </a:r>
             <a:endParaRPr lang="en-US" sz="1400" b="0" strike="noStrike" spc="-1" dirty="0">
               <a:solidFill>
